--- a/SGBD/evaluations_BDD.pptx
+++ b/SGBD/evaluations_BDD.pptx
@@ -16,6 +16,7 @@
     <p:sldId id="261" r:id="rId10"/>
     <p:sldId id="262" r:id="rId11"/>
     <p:sldId id="263" r:id="rId12"/>
+    <p:sldId id="267" r:id="rId13"/>
   </p:sldIdLst>
   <p:sldSz cx="12192000" cy="6858000"/>
   <p:notesSz cx="6858000" cy="9144000"/>
@@ -114,6 +115,11 @@
       </a:defRPr>
     </a:lvl9pPr>
   </p:defaultTextStyle>
+  <p:extLst>
+    <p:ext uri="{EFAFB233-063F-42B5-8137-9DF3F51BA10A}">
+      <p15:sldGuideLst xmlns:p15="http://schemas.microsoft.com/office/powerpoint/2012/main"/>
+    </p:ext>
+  </p:extLst>
 </p:presentation>
 </file>
 
@@ -139,7 +145,7 @@
           <p:cNvPr id="2" name="Titre 1">
             <a:extLst>
               <a:ext uri="{FF2B5EF4-FFF2-40B4-BE49-F238E27FC236}">
-                <a16:creationId xmlns:a16="http://schemas.microsoft.com/office/drawing/2014/main" id="{F76F1C97-C72A-4B03-9DE5-9BA9FFC5E9BB}"/>
+                <a16:creationId xmlns:a16="http://schemas.microsoft.com/office/drawing/2014/main" xmlns="" id="{F76F1C97-C72A-4B03-9DE5-9BA9FFC5E9BB}"/>
               </a:ext>
             </a:extLst>
           </p:cNvPr>
@@ -176,7 +182,7 @@
           <p:cNvPr id="3" name="Sous-titre 2">
             <a:extLst>
               <a:ext uri="{FF2B5EF4-FFF2-40B4-BE49-F238E27FC236}">
-                <a16:creationId xmlns:a16="http://schemas.microsoft.com/office/drawing/2014/main" id="{6F93764A-B3D1-479C-B994-9136AEE1797B}"/>
+                <a16:creationId xmlns:a16="http://schemas.microsoft.com/office/drawing/2014/main" xmlns="" id="{6F93764A-B3D1-479C-B994-9136AEE1797B}"/>
               </a:ext>
             </a:extLst>
           </p:cNvPr>
@@ -246,7 +252,7 @@
           <p:cNvPr id="4" name="Espace réservé de la date 3">
             <a:extLst>
               <a:ext uri="{FF2B5EF4-FFF2-40B4-BE49-F238E27FC236}">
-                <a16:creationId xmlns:a16="http://schemas.microsoft.com/office/drawing/2014/main" id="{729B9B82-2640-4EA5-BA8F-44140D539FC9}"/>
+                <a16:creationId xmlns:a16="http://schemas.microsoft.com/office/drawing/2014/main" xmlns="" id="{729B9B82-2640-4EA5-BA8F-44140D539FC9}"/>
               </a:ext>
             </a:extLst>
           </p:cNvPr>
@@ -264,7 +270,7 @@
           <a:p>
             <a:fld id="{5C6822A8-C287-4603-A364-96DBBEC0A63B}" type="datetimeFigureOut">
               <a:rPr lang="fr-FR" smtClean="0"/>
-              <a:t>19/06/2019</a:t>
+              <a:t>24/06/2019</a:t>
             </a:fld>
             <a:endParaRPr lang="fr-FR"/>
           </a:p>
@@ -275,7 +281,7 @@
           <p:cNvPr id="5" name="Espace réservé du pied de page 4">
             <a:extLst>
               <a:ext uri="{FF2B5EF4-FFF2-40B4-BE49-F238E27FC236}">
-                <a16:creationId xmlns:a16="http://schemas.microsoft.com/office/drawing/2014/main" id="{35C28AB9-9007-4661-B39C-DE91D15269A5}"/>
+                <a16:creationId xmlns:a16="http://schemas.microsoft.com/office/drawing/2014/main" xmlns="" id="{35C28AB9-9007-4661-B39C-DE91D15269A5}"/>
               </a:ext>
             </a:extLst>
           </p:cNvPr>
@@ -300,7 +306,7 @@
           <p:cNvPr id="6" name="Espace réservé du numéro de diapositive 5">
             <a:extLst>
               <a:ext uri="{FF2B5EF4-FFF2-40B4-BE49-F238E27FC236}">
-                <a16:creationId xmlns:a16="http://schemas.microsoft.com/office/drawing/2014/main" id="{8FAE9A2C-17D4-4039-B3ED-4D7835199B5D}"/>
+                <a16:creationId xmlns:a16="http://schemas.microsoft.com/office/drawing/2014/main" xmlns="" id="{8FAE9A2C-17D4-4039-B3ED-4D7835199B5D}"/>
               </a:ext>
             </a:extLst>
           </p:cNvPr>
@@ -359,7 +365,7 @@
           <p:cNvPr id="2" name="Titre 1">
             <a:extLst>
               <a:ext uri="{FF2B5EF4-FFF2-40B4-BE49-F238E27FC236}">
-                <a16:creationId xmlns:a16="http://schemas.microsoft.com/office/drawing/2014/main" id="{0E40E2EE-FAF7-45B8-8D08-82110EA600BE}"/>
+                <a16:creationId xmlns:a16="http://schemas.microsoft.com/office/drawing/2014/main" xmlns="" id="{0E40E2EE-FAF7-45B8-8D08-82110EA600BE}"/>
               </a:ext>
             </a:extLst>
           </p:cNvPr>
@@ -387,7 +393,7 @@
           <p:cNvPr id="3" name="Espace réservé du texte vertical 2">
             <a:extLst>
               <a:ext uri="{FF2B5EF4-FFF2-40B4-BE49-F238E27FC236}">
-                <a16:creationId xmlns:a16="http://schemas.microsoft.com/office/drawing/2014/main" id="{34026526-CE32-4AE8-99FB-58AD13D911ED}"/>
+                <a16:creationId xmlns:a16="http://schemas.microsoft.com/office/drawing/2014/main" xmlns="" id="{34026526-CE32-4AE8-99FB-58AD13D911ED}"/>
               </a:ext>
             </a:extLst>
           </p:cNvPr>
@@ -444,7 +450,7 @@
           <p:cNvPr id="4" name="Espace réservé de la date 3">
             <a:extLst>
               <a:ext uri="{FF2B5EF4-FFF2-40B4-BE49-F238E27FC236}">
-                <a16:creationId xmlns:a16="http://schemas.microsoft.com/office/drawing/2014/main" id="{6F9CE3D5-180D-40FA-B5C1-BBFF8A1C01FB}"/>
+                <a16:creationId xmlns:a16="http://schemas.microsoft.com/office/drawing/2014/main" xmlns="" id="{6F9CE3D5-180D-40FA-B5C1-BBFF8A1C01FB}"/>
               </a:ext>
             </a:extLst>
           </p:cNvPr>
@@ -462,7 +468,7 @@
           <a:p>
             <a:fld id="{5C6822A8-C287-4603-A364-96DBBEC0A63B}" type="datetimeFigureOut">
               <a:rPr lang="fr-FR" smtClean="0"/>
-              <a:t>19/06/2019</a:t>
+              <a:t>24/06/2019</a:t>
             </a:fld>
             <a:endParaRPr lang="fr-FR"/>
           </a:p>
@@ -473,7 +479,7 @@
           <p:cNvPr id="5" name="Espace réservé du pied de page 4">
             <a:extLst>
               <a:ext uri="{FF2B5EF4-FFF2-40B4-BE49-F238E27FC236}">
-                <a16:creationId xmlns:a16="http://schemas.microsoft.com/office/drawing/2014/main" id="{E0D38E12-DD5F-4C22-A9D8-67264AD809CC}"/>
+                <a16:creationId xmlns:a16="http://schemas.microsoft.com/office/drawing/2014/main" xmlns="" id="{E0D38E12-DD5F-4C22-A9D8-67264AD809CC}"/>
               </a:ext>
             </a:extLst>
           </p:cNvPr>
@@ -498,7 +504,7 @@
           <p:cNvPr id="6" name="Espace réservé du numéro de diapositive 5">
             <a:extLst>
               <a:ext uri="{FF2B5EF4-FFF2-40B4-BE49-F238E27FC236}">
-                <a16:creationId xmlns:a16="http://schemas.microsoft.com/office/drawing/2014/main" id="{D5480BC7-7DF9-4669-B8AE-CBC368F2ABEE}"/>
+                <a16:creationId xmlns:a16="http://schemas.microsoft.com/office/drawing/2014/main" xmlns="" id="{D5480BC7-7DF9-4669-B8AE-CBC368F2ABEE}"/>
               </a:ext>
             </a:extLst>
           </p:cNvPr>
@@ -557,7 +563,7 @@
           <p:cNvPr id="2" name="Titre vertical 1">
             <a:extLst>
               <a:ext uri="{FF2B5EF4-FFF2-40B4-BE49-F238E27FC236}">
-                <a16:creationId xmlns:a16="http://schemas.microsoft.com/office/drawing/2014/main" id="{18F805DE-77D9-4C89-B51D-3A183EDBAA72}"/>
+                <a16:creationId xmlns:a16="http://schemas.microsoft.com/office/drawing/2014/main" xmlns="" id="{18F805DE-77D9-4C89-B51D-3A183EDBAA72}"/>
               </a:ext>
             </a:extLst>
           </p:cNvPr>
@@ -590,7 +596,7 @@
           <p:cNvPr id="3" name="Espace réservé du texte vertical 2">
             <a:extLst>
               <a:ext uri="{FF2B5EF4-FFF2-40B4-BE49-F238E27FC236}">
-                <a16:creationId xmlns:a16="http://schemas.microsoft.com/office/drawing/2014/main" id="{F9B89AEE-42AC-4103-A323-F458C8A5D010}"/>
+                <a16:creationId xmlns:a16="http://schemas.microsoft.com/office/drawing/2014/main" xmlns="" id="{F9B89AEE-42AC-4103-A323-F458C8A5D010}"/>
               </a:ext>
             </a:extLst>
           </p:cNvPr>
@@ -652,7 +658,7 @@
           <p:cNvPr id="4" name="Espace réservé de la date 3">
             <a:extLst>
               <a:ext uri="{FF2B5EF4-FFF2-40B4-BE49-F238E27FC236}">
-                <a16:creationId xmlns:a16="http://schemas.microsoft.com/office/drawing/2014/main" id="{B1289C80-1F3E-4B7D-A52C-C4D4DF776C4B}"/>
+                <a16:creationId xmlns:a16="http://schemas.microsoft.com/office/drawing/2014/main" xmlns="" id="{B1289C80-1F3E-4B7D-A52C-C4D4DF776C4B}"/>
               </a:ext>
             </a:extLst>
           </p:cNvPr>
@@ -670,7 +676,7 @@
           <a:p>
             <a:fld id="{5C6822A8-C287-4603-A364-96DBBEC0A63B}" type="datetimeFigureOut">
               <a:rPr lang="fr-FR" smtClean="0"/>
-              <a:t>19/06/2019</a:t>
+              <a:t>24/06/2019</a:t>
             </a:fld>
             <a:endParaRPr lang="fr-FR"/>
           </a:p>
@@ -681,7 +687,7 @@
           <p:cNvPr id="5" name="Espace réservé du pied de page 4">
             <a:extLst>
               <a:ext uri="{FF2B5EF4-FFF2-40B4-BE49-F238E27FC236}">
-                <a16:creationId xmlns:a16="http://schemas.microsoft.com/office/drawing/2014/main" id="{3F0F08D2-4C45-4156-B657-89941AD51AC2}"/>
+                <a16:creationId xmlns:a16="http://schemas.microsoft.com/office/drawing/2014/main" xmlns="" id="{3F0F08D2-4C45-4156-B657-89941AD51AC2}"/>
               </a:ext>
             </a:extLst>
           </p:cNvPr>
@@ -706,7 +712,7 @@
           <p:cNvPr id="6" name="Espace réservé du numéro de diapositive 5">
             <a:extLst>
               <a:ext uri="{FF2B5EF4-FFF2-40B4-BE49-F238E27FC236}">
-                <a16:creationId xmlns:a16="http://schemas.microsoft.com/office/drawing/2014/main" id="{D714870C-A895-4B3B-9174-CDA43FAE183D}"/>
+                <a16:creationId xmlns:a16="http://schemas.microsoft.com/office/drawing/2014/main" xmlns="" id="{D714870C-A895-4B3B-9174-CDA43FAE183D}"/>
               </a:ext>
             </a:extLst>
           </p:cNvPr>
@@ -765,7 +771,7 @@
           <p:cNvPr id="2" name="Titre 1">
             <a:extLst>
               <a:ext uri="{FF2B5EF4-FFF2-40B4-BE49-F238E27FC236}">
-                <a16:creationId xmlns:a16="http://schemas.microsoft.com/office/drawing/2014/main" id="{909E8017-CC98-45CF-8BDC-5C642DB97CF7}"/>
+                <a16:creationId xmlns:a16="http://schemas.microsoft.com/office/drawing/2014/main" xmlns="" id="{909E8017-CC98-45CF-8BDC-5C642DB97CF7}"/>
               </a:ext>
             </a:extLst>
           </p:cNvPr>
@@ -793,7 +799,7 @@
           <p:cNvPr id="3" name="Espace réservé du contenu 2">
             <a:extLst>
               <a:ext uri="{FF2B5EF4-FFF2-40B4-BE49-F238E27FC236}">
-                <a16:creationId xmlns:a16="http://schemas.microsoft.com/office/drawing/2014/main" id="{BD3028D2-7CD4-44B9-BA14-048AFF05DFC2}"/>
+                <a16:creationId xmlns:a16="http://schemas.microsoft.com/office/drawing/2014/main" xmlns="" id="{BD3028D2-7CD4-44B9-BA14-048AFF05DFC2}"/>
               </a:ext>
             </a:extLst>
           </p:cNvPr>
@@ -850,7 +856,7 @@
           <p:cNvPr id="4" name="Espace réservé de la date 3">
             <a:extLst>
               <a:ext uri="{FF2B5EF4-FFF2-40B4-BE49-F238E27FC236}">
-                <a16:creationId xmlns:a16="http://schemas.microsoft.com/office/drawing/2014/main" id="{6964623B-856A-47EC-87EE-FC14F558C877}"/>
+                <a16:creationId xmlns:a16="http://schemas.microsoft.com/office/drawing/2014/main" xmlns="" id="{6964623B-856A-47EC-87EE-FC14F558C877}"/>
               </a:ext>
             </a:extLst>
           </p:cNvPr>
@@ -868,7 +874,7 @@
           <a:p>
             <a:fld id="{5C6822A8-C287-4603-A364-96DBBEC0A63B}" type="datetimeFigureOut">
               <a:rPr lang="fr-FR" smtClean="0"/>
-              <a:t>19/06/2019</a:t>
+              <a:t>24/06/2019</a:t>
             </a:fld>
             <a:endParaRPr lang="fr-FR"/>
           </a:p>
@@ -879,7 +885,7 @@
           <p:cNvPr id="5" name="Espace réservé du pied de page 4">
             <a:extLst>
               <a:ext uri="{FF2B5EF4-FFF2-40B4-BE49-F238E27FC236}">
-                <a16:creationId xmlns:a16="http://schemas.microsoft.com/office/drawing/2014/main" id="{F2E771B1-29AF-4CD6-8ECB-F7579730640F}"/>
+                <a16:creationId xmlns:a16="http://schemas.microsoft.com/office/drawing/2014/main" xmlns="" id="{F2E771B1-29AF-4CD6-8ECB-F7579730640F}"/>
               </a:ext>
             </a:extLst>
           </p:cNvPr>
@@ -904,7 +910,7 @@
           <p:cNvPr id="6" name="Espace réservé du numéro de diapositive 5">
             <a:extLst>
               <a:ext uri="{FF2B5EF4-FFF2-40B4-BE49-F238E27FC236}">
-                <a16:creationId xmlns:a16="http://schemas.microsoft.com/office/drawing/2014/main" id="{B3DC86C1-48C7-480A-AFF1-043C41C4806C}"/>
+                <a16:creationId xmlns:a16="http://schemas.microsoft.com/office/drawing/2014/main" xmlns="" id="{B3DC86C1-48C7-480A-AFF1-043C41C4806C}"/>
               </a:ext>
             </a:extLst>
           </p:cNvPr>
@@ -963,7 +969,7 @@
           <p:cNvPr id="2" name="Titre 1">
             <a:extLst>
               <a:ext uri="{FF2B5EF4-FFF2-40B4-BE49-F238E27FC236}">
-                <a16:creationId xmlns:a16="http://schemas.microsoft.com/office/drawing/2014/main" id="{CDB47019-47A6-4AFA-BC81-20E561E42111}"/>
+                <a16:creationId xmlns:a16="http://schemas.microsoft.com/office/drawing/2014/main" xmlns="" id="{CDB47019-47A6-4AFA-BC81-20E561E42111}"/>
               </a:ext>
             </a:extLst>
           </p:cNvPr>
@@ -1000,7 +1006,7 @@
           <p:cNvPr id="3" name="Espace réservé du texte 2">
             <a:extLst>
               <a:ext uri="{FF2B5EF4-FFF2-40B4-BE49-F238E27FC236}">
-                <a16:creationId xmlns:a16="http://schemas.microsoft.com/office/drawing/2014/main" id="{D1989B75-F46B-46C5-AED6-8CBE06A0F866}"/>
+                <a16:creationId xmlns:a16="http://schemas.microsoft.com/office/drawing/2014/main" xmlns="" id="{D1989B75-F46B-46C5-AED6-8CBE06A0F866}"/>
               </a:ext>
             </a:extLst>
           </p:cNvPr>
@@ -1125,7 +1131,7 @@
           <p:cNvPr id="4" name="Espace réservé de la date 3">
             <a:extLst>
               <a:ext uri="{FF2B5EF4-FFF2-40B4-BE49-F238E27FC236}">
-                <a16:creationId xmlns:a16="http://schemas.microsoft.com/office/drawing/2014/main" id="{97246B51-9E2D-4E19-A80C-B565A962A669}"/>
+                <a16:creationId xmlns:a16="http://schemas.microsoft.com/office/drawing/2014/main" xmlns="" id="{97246B51-9E2D-4E19-A80C-B565A962A669}"/>
               </a:ext>
             </a:extLst>
           </p:cNvPr>
@@ -1143,7 +1149,7 @@
           <a:p>
             <a:fld id="{5C6822A8-C287-4603-A364-96DBBEC0A63B}" type="datetimeFigureOut">
               <a:rPr lang="fr-FR" smtClean="0"/>
-              <a:t>19/06/2019</a:t>
+              <a:t>24/06/2019</a:t>
             </a:fld>
             <a:endParaRPr lang="fr-FR"/>
           </a:p>
@@ -1154,7 +1160,7 @@
           <p:cNvPr id="5" name="Espace réservé du pied de page 4">
             <a:extLst>
               <a:ext uri="{FF2B5EF4-FFF2-40B4-BE49-F238E27FC236}">
-                <a16:creationId xmlns:a16="http://schemas.microsoft.com/office/drawing/2014/main" id="{6427E653-1547-427A-87AA-0F074F837C49}"/>
+                <a16:creationId xmlns:a16="http://schemas.microsoft.com/office/drawing/2014/main" xmlns="" id="{6427E653-1547-427A-87AA-0F074F837C49}"/>
               </a:ext>
             </a:extLst>
           </p:cNvPr>
@@ -1179,7 +1185,7 @@
           <p:cNvPr id="6" name="Espace réservé du numéro de diapositive 5">
             <a:extLst>
               <a:ext uri="{FF2B5EF4-FFF2-40B4-BE49-F238E27FC236}">
-                <a16:creationId xmlns:a16="http://schemas.microsoft.com/office/drawing/2014/main" id="{0B971AFF-7190-497F-A24E-0A1ECBE01AEF}"/>
+                <a16:creationId xmlns:a16="http://schemas.microsoft.com/office/drawing/2014/main" xmlns="" id="{0B971AFF-7190-497F-A24E-0A1ECBE01AEF}"/>
               </a:ext>
             </a:extLst>
           </p:cNvPr>
@@ -1238,7 +1244,7 @@
           <p:cNvPr id="2" name="Titre 1">
             <a:extLst>
               <a:ext uri="{FF2B5EF4-FFF2-40B4-BE49-F238E27FC236}">
-                <a16:creationId xmlns:a16="http://schemas.microsoft.com/office/drawing/2014/main" id="{6AD2AB7E-B299-4D62-B61E-8F878C2D6BA6}"/>
+                <a16:creationId xmlns:a16="http://schemas.microsoft.com/office/drawing/2014/main" xmlns="" id="{6AD2AB7E-B299-4D62-B61E-8F878C2D6BA6}"/>
               </a:ext>
             </a:extLst>
           </p:cNvPr>
@@ -1266,7 +1272,7 @@
           <p:cNvPr id="3" name="Espace réservé du contenu 2">
             <a:extLst>
               <a:ext uri="{FF2B5EF4-FFF2-40B4-BE49-F238E27FC236}">
-                <a16:creationId xmlns:a16="http://schemas.microsoft.com/office/drawing/2014/main" id="{DE651E30-F28E-44B1-9005-44AFDB054782}"/>
+                <a16:creationId xmlns:a16="http://schemas.microsoft.com/office/drawing/2014/main" xmlns="" id="{DE651E30-F28E-44B1-9005-44AFDB054782}"/>
               </a:ext>
             </a:extLst>
           </p:cNvPr>
@@ -1328,7 +1334,7 @@
           <p:cNvPr id="4" name="Espace réservé du contenu 3">
             <a:extLst>
               <a:ext uri="{FF2B5EF4-FFF2-40B4-BE49-F238E27FC236}">
-                <a16:creationId xmlns:a16="http://schemas.microsoft.com/office/drawing/2014/main" id="{54B9CB61-478C-48FE-B902-4A01B0183C98}"/>
+                <a16:creationId xmlns:a16="http://schemas.microsoft.com/office/drawing/2014/main" xmlns="" id="{54B9CB61-478C-48FE-B902-4A01B0183C98}"/>
               </a:ext>
             </a:extLst>
           </p:cNvPr>
@@ -1390,7 +1396,7 @@
           <p:cNvPr id="5" name="Espace réservé de la date 4">
             <a:extLst>
               <a:ext uri="{FF2B5EF4-FFF2-40B4-BE49-F238E27FC236}">
-                <a16:creationId xmlns:a16="http://schemas.microsoft.com/office/drawing/2014/main" id="{02683085-B2A1-4589-8BB3-DB284584289C}"/>
+                <a16:creationId xmlns:a16="http://schemas.microsoft.com/office/drawing/2014/main" xmlns="" id="{02683085-B2A1-4589-8BB3-DB284584289C}"/>
               </a:ext>
             </a:extLst>
           </p:cNvPr>
@@ -1408,7 +1414,7 @@
           <a:p>
             <a:fld id="{5C6822A8-C287-4603-A364-96DBBEC0A63B}" type="datetimeFigureOut">
               <a:rPr lang="fr-FR" smtClean="0"/>
-              <a:t>19/06/2019</a:t>
+              <a:t>24/06/2019</a:t>
             </a:fld>
             <a:endParaRPr lang="fr-FR"/>
           </a:p>
@@ -1419,7 +1425,7 @@
           <p:cNvPr id="6" name="Espace réservé du pied de page 5">
             <a:extLst>
               <a:ext uri="{FF2B5EF4-FFF2-40B4-BE49-F238E27FC236}">
-                <a16:creationId xmlns:a16="http://schemas.microsoft.com/office/drawing/2014/main" id="{DFD7099F-CDAE-41D8-A364-BAEE09198A08}"/>
+                <a16:creationId xmlns:a16="http://schemas.microsoft.com/office/drawing/2014/main" xmlns="" id="{DFD7099F-CDAE-41D8-A364-BAEE09198A08}"/>
               </a:ext>
             </a:extLst>
           </p:cNvPr>
@@ -1444,7 +1450,7 @@
           <p:cNvPr id="7" name="Espace réservé du numéro de diapositive 6">
             <a:extLst>
               <a:ext uri="{FF2B5EF4-FFF2-40B4-BE49-F238E27FC236}">
-                <a16:creationId xmlns:a16="http://schemas.microsoft.com/office/drawing/2014/main" id="{3B464500-8F4C-43BF-AB95-7F74349295D2}"/>
+                <a16:creationId xmlns:a16="http://schemas.microsoft.com/office/drawing/2014/main" xmlns="" id="{3B464500-8F4C-43BF-AB95-7F74349295D2}"/>
               </a:ext>
             </a:extLst>
           </p:cNvPr>
@@ -1503,7 +1509,7 @@
           <p:cNvPr id="2" name="Titre 1">
             <a:extLst>
               <a:ext uri="{FF2B5EF4-FFF2-40B4-BE49-F238E27FC236}">
-                <a16:creationId xmlns:a16="http://schemas.microsoft.com/office/drawing/2014/main" id="{D948F209-D476-44D6-8B8E-FB8E3CF02579}"/>
+                <a16:creationId xmlns:a16="http://schemas.microsoft.com/office/drawing/2014/main" xmlns="" id="{D948F209-D476-44D6-8B8E-FB8E3CF02579}"/>
               </a:ext>
             </a:extLst>
           </p:cNvPr>
@@ -1536,7 +1542,7 @@
           <p:cNvPr id="3" name="Espace réservé du texte 2">
             <a:extLst>
               <a:ext uri="{FF2B5EF4-FFF2-40B4-BE49-F238E27FC236}">
-                <a16:creationId xmlns:a16="http://schemas.microsoft.com/office/drawing/2014/main" id="{14A64DD8-DC0C-4477-9ED9-9974A07EF8B8}"/>
+                <a16:creationId xmlns:a16="http://schemas.microsoft.com/office/drawing/2014/main" xmlns="" id="{14A64DD8-DC0C-4477-9ED9-9974A07EF8B8}"/>
               </a:ext>
             </a:extLst>
           </p:cNvPr>
@@ -1607,7 +1613,7 @@
           <p:cNvPr id="4" name="Espace réservé du contenu 3">
             <a:extLst>
               <a:ext uri="{FF2B5EF4-FFF2-40B4-BE49-F238E27FC236}">
-                <a16:creationId xmlns:a16="http://schemas.microsoft.com/office/drawing/2014/main" id="{C5BB6AFC-8517-4DCA-B722-5879AA09AD69}"/>
+                <a16:creationId xmlns:a16="http://schemas.microsoft.com/office/drawing/2014/main" xmlns="" id="{C5BB6AFC-8517-4DCA-B722-5879AA09AD69}"/>
               </a:ext>
             </a:extLst>
           </p:cNvPr>
@@ -1669,7 +1675,7 @@
           <p:cNvPr id="5" name="Espace réservé du texte 4">
             <a:extLst>
               <a:ext uri="{FF2B5EF4-FFF2-40B4-BE49-F238E27FC236}">
-                <a16:creationId xmlns:a16="http://schemas.microsoft.com/office/drawing/2014/main" id="{8320004F-624C-4835-913C-8A6EACF287AF}"/>
+                <a16:creationId xmlns:a16="http://schemas.microsoft.com/office/drawing/2014/main" xmlns="" id="{8320004F-624C-4835-913C-8A6EACF287AF}"/>
               </a:ext>
             </a:extLst>
           </p:cNvPr>
@@ -1740,7 +1746,7 @@
           <p:cNvPr id="6" name="Espace réservé du contenu 5">
             <a:extLst>
               <a:ext uri="{FF2B5EF4-FFF2-40B4-BE49-F238E27FC236}">
-                <a16:creationId xmlns:a16="http://schemas.microsoft.com/office/drawing/2014/main" id="{8F8A2FE1-A9E4-4ED1-A30B-86ACA4AF35C1}"/>
+                <a16:creationId xmlns:a16="http://schemas.microsoft.com/office/drawing/2014/main" xmlns="" id="{8F8A2FE1-A9E4-4ED1-A30B-86ACA4AF35C1}"/>
               </a:ext>
             </a:extLst>
           </p:cNvPr>
@@ -1802,7 +1808,7 @@
           <p:cNvPr id="7" name="Espace réservé de la date 6">
             <a:extLst>
               <a:ext uri="{FF2B5EF4-FFF2-40B4-BE49-F238E27FC236}">
-                <a16:creationId xmlns:a16="http://schemas.microsoft.com/office/drawing/2014/main" id="{80BBE0EB-3DB9-4C07-8B6D-F49102F6FA2D}"/>
+                <a16:creationId xmlns:a16="http://schemas.microsoft.com/office/drawing/2014/main" xmlns="" id="{80BBE0EB-3DB9-4C07-8B6D-F49102F6FA2D}"/>
               </a:ext>
             </a:extLst>
           </p:cNvPr>
@@ -1820,7 +1826,7 @@
           <a:p>
             <a:fld id="{5C6822A8-C287-4603-A364-96DBBEC0A63B}" type="datetimeFigureOut">
               <a:rPr lang="fr-FR" smtClean="0"/>
-              <a:t>19/06/2019</a:t>
+              <a:t>24/06/2019</a:t>
             </a:fld>
             <a:endParaRPr lang="fr-FR"/>
           </a:p>
@@ -1831,7 +1837,7 @@
           <p:cNvPr id="8" name="Espace réservé du pied de page 7">
             <a:extLst>
               <a:ext uri="{FF2B5EF4-FFF2-40B4-BE49-F238E27FC236}">
-                <a16:creationId xmlns:a16="http://schemas.microsoft.com/office/drawing/2014/main" id="{76DB0E0A-3DA1-4BC3-81F7-B4594AC7FC52}"/>
+                <a16:creationId xmlns:a16="http://schemas.microsoft.com/office/drawing/2014/main" xmlns="" id="{76DB0E0A-3DA1-4BC3-81F7-B4594AC7FC52}"/>
               </a:ext>
             </a:extLst>
           </p:cNvPr>
@@ -1856,7 +1862,7 @@
           <p:cNvPr id="9" name="Espace réservé du numéro de diapositive 8">
             <a:extLst>
               <a:ext uri="{FF2B5EF4-FFF2-40B4-BE49-F238E27FC236}">
-                <a16:creationId xmlns:a16="http://schemas.microsoft.com/office/drawing/2014/main" id="{85B715AB-0922-4D23-BE68-4813F3C322AB}"/>
+                <a16:creationId xmlns:a16="http://schemas.microsoft.com/office/drawing/2014/main" xmlns="" id="{85B715AB-0922-4D23-BE68-4813F3C322AB}"/>
               </a:ext>
             </a:extLst>
           </p:cNvPr>
@@ -1915,7 +1921,7 @@
           <p:cNvPr id="2" name="Titre 1">
             <a:extLst>
               <a:ext uri="{FF2B5EF4-FFF2-40B4-BE49-F238E27FC236}">
-                <a16:creationId xmlns:a16="http://schemas.microsoft.com/office/drawing/2014/main" id="{76C21459-5DAF-4764-BFB9-AD274EE92509}"/>
+                <a16:creationId xmlns:a16="http://schemas.microsoft.com/office/drawing/2014/main" xmlns="" id="{76C21459-5DAF-4764-BFB9-AD274EE92509}"/>
               </a:ext>
             </a:extLst>
           </p:cNvPr>
@@ -1943,7 +1949,7 @@
           <p:cNvPr id="3" name="Espace réservé de la date 2">
             <a:extLst>
               <a:ext uri="{FF2B5EF4-FFF2-40B4-BE49-F238E27FC236}">
-                <a16:creationId xmlns:a16="http://schemas.microsoft.com/office/drawing/2014/main" id="{56473137-4EFC-412A-A350-1B76DABE2DE9}"/>
+                <a16:creationId xmlns:a16="http://schemas.microsoft.com/office/drawing/2014/main" xmlns="" id="{56473137-4EFC-412A-A350-1B76DABE2DE9}"/>
               </a:ext>
             </a:extLst>
           </p:cNvPr>
@@ -1961,7 +1967,7 @@
           <a:p>
             <a:fld id="{5C6822A8-C287-4603-A364-96DBBEC0A63B}" type="datetimeFigureOut">
               <a:rPr lang="fr-FR" smtClean="0"/>
-              <a:t>19/06/2019</a:t>
+              <a:t>24/06/2019</a:t>
             </a:fld>
             <a:endParaRPr lang="fr-FR"/>
           </a:p>
@@ -1972,7 +1978,7 @@
           <p:cNvPr id="4" name="Espace réservé du pied de page 3">
             <a:extLst>
               <a:ext uri="{FF2B5EF4-FFF2-40B4-BE49-F238E27FC236}">
-                <a16:creationId xmlns:a16="http://schemas.microsoft.com/office/drawing/2014/main" id="{7755F723-F2F9-4972-B70D-627886B00C46}"/>
+                <a16:creationId xmlns:a16="http://schemas.microsoft.com/office/drawing/2014/main" xmlns="" id="{7755F723-F2F9-4972-B70D-627886B00C46}"/>
               </a:ext>
             </a:extLst>
           </p:cNvPr>
@@ -1997,7 +2003,7 @@
           <p:cNvPr id="5" name="Espace réservé du numéro de diapositive 4">
             <a:extLst>
               <a:ext uri="{FF2B5EF4-FFF2-40B4-BE49-F238E27FC236}">
-                <a16:creationId xmlns:a16="http://schemas.microsoft.com/office/drawing/2014/main" id="{B79FE158-AAC9-4EE4-9B78-B2F8C6C57A7B}"/>
+                <a16:creationId xmlns:a16="http://schemas.microsoft.com/office/drawing/2014/main" xmlns="" id="{B79FE158-AAC9-4EE4-9B78-B2F8C6C57A7B}"/>
               </a:ext>
             </a:extLst>
           </p:cNvPr>
@@ -2056,7 +2062,7 @@
           <p:cNvPr id="2" name="Espace réservé de la date 1">
             <a:extLst>
               <a:ext uri="{FF2B5EF4-FFF2-40B4-BE49-F238E27FC236}">
-                <a16:creationId xmlns:a16="http://schemas.microsoft.com/office/drawing/2014/main" id="{198AD332-85A2-481D-94D6-DC86ED165A9A}"/>
+                <a16:creationId xmlns:a16="http://schemas.microsoft.com/office/drawing/2014/main" xmlns="" id="{198AD332-85A2-481D-94D6-DC86ED165A9A}"/>
               </a:ext>
             </a:extLst>
           </p:cNvPr>
@@ -2074,7 +2080,7 @@
           <a:p>
             <a:fld id="{5C6822A8-C287-4603-A364-96DBBEC0A63B}" type="datetimeFigureOut">
               <a:rPr lang="fr-FR" smtClean="0"/>
-              <a:t>19/06/2019</a:t>
+              <a:t>24/06/2019</a:t>
             </a:fld>
             <a:endParaRPr lang="fr-FR"/>
           </a:p>
@@ -2085,7 +2091,7 @@
           <p:cNvPr id="3" name="Espace réservé du pied de page 2">
             <a:extLst>
               <a:ext uri="{FF2B5EF4-FFF2-40B4-BE49-F238E27FC236}">
-                <a16:creationId xmlns:a16="http://schemas.microsoft.com/office/drawing/2014/main" id="{32C99340-AC07-4A8B-A3BD-892728035DCE}"/>
+                <a16:creationId xmlns:a16="http://schemas.microsoft.com/office/drawing/2014/main" xmlns="" id="{32C99340-AC07-4A8B-A3BD-892728035DCE}"/>
               </a:ext>
             </a:extLst>
           </p:cNvPr>
@@ -2110,7 +2116,7 @@
           <p:cNvPr id="4" name="Espace réservé du numéro de diapositive 3">
             <a:extLst>
               <a:ext uri="{FF2B5EF4-FFF2-40B4-BE49-F238E27FC236}">
-                <a16:creationId xmlns:a16="http://schemas.microsoft.com/office/drawing/2014/main" id="{B5353B78-7B1A-4F69-84D2-C5D7517B17DB}"/>
+                <a16:creationId xmlns:a16="http://schemas.microsoft.com/office/drawing/2014/main" xmlns="" id="{B5353B78-7B1A-4F69-84D2-C5D7517B17DB}"/>
               </a:ext>
             </a:extLst>
           </p:cNvPr>
@@ -2169,7 +2175,7 @@
           <p:cNvPr id="2" name="Titre 1">
             <a:extLst>
               <a:ext uri="{FF2B5EF4-FFF2-40B4-BE49-F238E27FC236}">
-                <a16:creationId xmlns:a16="http://schemas.microsoft.com/office/drawing/2014/main" id="{17321B73-1EF9-4EBF-9D68-84C52F25D8E5}"/>
+                <a16:creationId xmlns:a16="http://schemas.microsoft.com/office/drawing/2014/main" xmlns="" id="{17321B73-1EF9-4EBF-9D68-84C52F25D8E5}"/>
               </a:ext>
             </a:extLst>
           </p:cNvPr>
@@ -2206,7 +2212,7 @@
           <p:cNvPr id="3" name="Espace réservé du contenu 2">
             <a:extLst>
               <a:ext uri="{FF2B5EF4-FFF2-40B4-BE49-F238E27FC236}">
-                <a16:creationId xmlns:a16="http://schemas.microsoft.com/office/drawing/2014/main" id="{CDBC6AB7-AB57-485A-9049-E7A9C6225EF3}"/>
+                <a16:creationId xmlns:a16="http://schemas.microsoft.com/office/drawing/2014/main" xmlns="" id="{CDBC6AB7-AB57-485A-9049-E7A9C6225EF3}"/>
               </a:ext>
             </a:extLst>
           </p:cNvPr>
@@ -2296,7 +2302,7 @@
           <p:cNvPr id="4" name="Espace réservé du texte 3">
             <a:extLst>
               <a:ext uri="{FF2B5EF4-FFF2-40B4-BE49-F238E27FC236}">
-                <a16:creationId xmlns:a16="http://schemas.microsoft.com/office/drawing/2014/main" id="{F2556FAD-805C-47B9-94CE-D3C2CA3A52C8}"/>
+                <a16:creationId xmlns:a16="http://schemas.microsoft.com/office/drawing/2014/main" xmlns="" id="{F2556FAD-805C-47B9-94CE-D3C2CA3A52C8}"/>
               </a:ext>
             </a:extLst>
           </p:cNvPr>
@@ -2367,7 +2373,7 @@
           <p:cNvPr id="5" name="Espace réservé de la date 4">
             <a:extLst>
               <a:ext uri="{FF2B5EF4-FFF2-40B4-BE49-F238E27FC236}">
-                <a16:creationId xmlns:a16="http://schemas.microsoft.com/office/drawing/2014/main" id="{1E84E330-E2C9-408A-89E1-E668B376BFEF}"/>
+                <a16:creationId xmlns:a16="http://schemas.microsoft.com/office/drawing/2014/main" xmlns="" id="{1E84E330-E2C9-408A-89E1-E668B376BFEF}"/>
               </a:ext>
             </a:extLst>
           </p:cNvPr>
@@ -2385,7 +2391,7 @@
           <a:p>
             <a:fld id="{5C6822A8-C287-4603-A364-96DBBEC0A63B}" type="datetimeFigureOut">
               <a:rPr lang="fr-FR" smtClean="0"/>
-              <a:t>19/06/2019</a:t>
+              <a:t>24/06/2019</a:t>
             </a:fld>
             <a:endParaRPr lang="fr-FR"/>
           </a:p>
@@ -2396,7 +2402,7 @@
           <p:cNvPr id="6" name="Espace réservé du pied de page 5">
             <a:extLst>
               <a:ext uri="{FF2B5EF4-FFF2-40B4-BE49-F238E27FC236}">
-                <a16:creationId xmlns:a16="http://schemas.microsoft.com/office/drawing/2014/main" id="{6975768F-2C0F-4DAD-AC2A-5AB17BA7416A}"/>
+                <a16:creationId xmlns:a16="http://schemas.microsoft.com/office/drawing/2014/main" xmlns="" id="{6975768F-2C0F-4DAD-AC2A-5AB17BA7416A}"/>
               </a:ext>
             </a:extLst>
           </p:cNvPr>
@@ -2421,7 +2427,7 @@
           <p:cNvPr id="7" name="Espace réservé du numéro de diapositive 6">
             <a:extLst>
               <a:ext uri="{FF2B5EF4-FFF2-40B4-BE49-F238E27FC236}">
-                <a16:creationId xmlns:a16="http://schemas.microsoft.com/office/drawing/2014/main" id="{444E5A8F-AE05-4CEB-B6F1-6F2203640EA1}"/>
+                <a16:creationId xmlns:a16="http://schemas.microsoft.com/office/drawing/2014/main" xmlns="" id="{444E5A8F-AE05-4CEB-B6F1-6F2203640EA1}"/>
               </a:ext>
             </a:extLst>
           </p:cNvPr>
@@ -2480,7 +2486,7 @@
           <p:cNvPr id="2" name="Titre 1">
             <a:extLst>
               <a:ext uri="{FF2B5EF4-FFF2-40B4-BE49-F238E27FC236}">
-                <a16:creationId xmlns:a16="http://schemas.microsoft.com/office/drawing/2014/main" id="{96DC67AE-FE5E-4AC1-9315-072D2EB8FCDF}"/>
+                <a16:creationId xmlns:a16="http://schemas.microsoft.com/office/drawing/2014/main" xmlns="" id="{96DC67AE-FE5E-4AC1-9315-072D2EB8FCDF}"/>
               </a:ext>
             </a:extLst>
           </p:cNvPr>
@@ -2517,7 +2523,7 @@
           <p:cNvPr id="3" name="Espace réservé pour une image  2">
             <a:extLst>
               <a:ext uri="{FF2B5EF4-FFF2-40B4-BE49-F238E27FC236}">
-                <a16:creationId xmlns:a16="http://schemas.microsoft.com/office/drawing/2014/main" id="{8604C8EB-653D-4DED-B692-19159D311F63}"/>
+                <a16:creationId xmlns:a16="http://schemas.microsoft.com/office/drawing/2014/main" xmlns="" id="{8604C8EB-653D-4DED-B692-19159D311F63}"/>
               </a:ext>
             </a:extLst>
           </p:cNvPr>
@@ -2584,7 +2590,7 @@
           <p:cNvPr id="4" name="Espace réservé du texte 3">
             <a:extLst>
               <a:ext uri="{FF2B5EF4-FFF2-40B4-BE49-F238E27FC236}">
-                <a16:creationId xmlns:a16="http://schemas.microsoft.com/office/drawing/2014/main" id="{4F5F4DED-347E-43AE-B499-0F4409779E5E}"/>
+                <a16:creationId xmlns:a16="http://schemas.microsoft.com/office/drawing/2014/main" xmlns="" id="{4F5F4DED-347E-43AE-B499-0F4409779E5E}"/>
               </a:ext>
             </a:extLst>
           </p:cNvPr>
@@ -2655,7 +2661,7 @@
           <p:cNvPr id="5" name="Espace réservé de la date 4">
             <a:extLst>
               <a:ext uri="{FF2B5EF4-FFF2-40B4-BE49-F238E27FC236}">
-                <a16:creationId xmlns:a16="http://schemas.microsoft.com/office/drawing/2014/main" id="{98A73E0C-900E-412C-82F6-2AE39C9B5FDA}"/>
+                <a16:creationId xmlns:a16="http://schemas.microsoft.com/office/drawing/2014/main" xmlns="" id="{98A73E0C-900E-412C-82F6-2AE39C9B5FDA}"/>
               </a:ext>
             </a:extLst>
           </p:cNvPr>
@@ -2673,7 +2679,7 @@
           <a:p>
             <a:fld id="{5C6822A8-C287-4603-A364-96DBBEC0A63B}" type="datetimeFigureOut">
               <a:rPr lang="fr-FR" smtClean="0"/>
-              <a:t>19/06/2019</a:t>
+              <a:t>24/06/2019</a:t>
             </a:fld>
             <a:endParaRPr lang="fr-FR"/>
           </a:p>
@@ -2684,7 +2690,7 @@
           <p:cNvPr id="6" name="Espace réservé du pied de page 5">
             <a:extLst>
               <a:ext uri="{FF2B5EF4-FFF2-40B4-BE49-F238E27FC236}">
-                <a16:creationId xmlns:a16="http://schemas.microsoft.com/office/drawing/2014/main" id="{EE274009-1EC1-4087-BB37-6E5B000EBDA7}"/>
+                <a16:creationId xmlns:a16="http://schemas.microsoft.com/office/drawing/2014/main" xmlns="" id="{EE274009-1EC1-4087-BB37-6E5B000EBDA7}"/>
               </a:ext>
             </a:extLst>
           </p:cNvPr>
@@ -2709,7 +2715,7 @@
           <p:cNvPr id="7" name="Espace réservé du numéro de diapositive 6">
             <a:extLst>
               <a:ext uri="{FF2B5EF4-FFF2-40B4-BE49-F238E27FC236}">
-                <a16:creationId xmlns:a16="http://schemas.microsoft.com/office/drawing/2014/main" id="{26023FA6-7FFA-4AB7-AD41-3EAB37024255}"/>
+                <a16:creationId xmlns:a16="http://schemas.microsoft.com/office/drawing/2014/main" xmlns="" id="{26023FA6-7FFA-4AB7-AD41-3EAB37024255}"/>
               </a:ext>
             </a:extLst>
           </p:cNvPr>
@@ -2773,7 +2779,7 @@
           <p:cNvPr id="2" name="Espace réservé du titre 1">
             <a:extLst>
               <a:ext uri="{FF2B5EF4-FFF2-40B4-BE49-F238E27FC236}">
-                <a16:creationId xmlns:a16="http://schemas.microsoft.com/office/drawing/2014/main" id="{30F518F7-B8D1-49AA-8401-F79D8CCED660}"/>
+                <a16:creationId xmlns:a16="http://schemas.microsoft.com/office/drawing/2014/main" xmlns="" id="{30F518F7-B8D1-49AA-8401-F79D8CCED660}"/>
               </a:ext>
             </a:extLst>
           </p:cNvPr>
@@ -2811,7 +2817,7 @@
           <p:cNvPr id="3" name="Espace réservé du texte 2">
             <a:extLst>
               <a:ext uri="{FF2B5EF4-FFF2-40B4-BE49-F238E27FC236}">
-                <a16:creationId xmlns:a16="http://schemas.microsoft.com/office/drawing/2014/main" id="{91588ABA-8504-4330-A99C-9E385F3BF356}"/>
+                <a16:creationId xmlns:a16="http://schemas.microsoft.com/office/drawing/2014/main" xmlns="" id="{91588ABA-8504-4330-A99C-9E385F3BF356}"/>
               </a:ext>
             </a:extLst>
           </p:cNvPr>
@@ -2878,7 +2884,7 @@
           <p:cNvPr id="4" name="Espace réservé de la date 3">
             <a:extLst>
               <a:ext uri="{FF2B5EF4-FFF2-40B4-BE49-F238E27FC236}">
-                <a16:creationId xmlns:a16="http://schemas.microsoft.com/office/drawing/2014/main" id="{86941166-E577-4251-8335-A02171BAA9C9}"/>
+                <a16:creationId xmlns:a16="http://schemas.microsoft.com/office/drawing/2014/main" xmlns="" id="{86941166-E577-4251-8335-A02171BAA9C9}"/>
               </a:ext>
             </a:extLst>
           </p:cNvPr>
@@ -2914,7 +2920,7 @@
           <a:p>
             <a:fld id="{5C6822A8-C287-4603-A364-96DBBEC0A63B}" type="datetimeFigureOut">
               <a:rPr lang="fr-FR" smtClean="0"/>
-              <a:t>19/06/2019</a:t>
+              <a:t>24/06/2019</a:t>
             </a:fld>
             <a:endParaRPr lang="fr-FR"/>
           </a:p>
@@ -2925,7 +2931,7 @@
           <p:cNvPr id="5" name="Espace réservé du pied de page 4">
             <a:extLst>
               <a:ext uri="{FF2B5EF4-FFF2-40B4-BE49-F238E27FC236}">
-                <a16:creationId xmlns:a16="http://schemas.microsoft.com/office/drawing/2014/main" id="{9493D533-4B78-4E7B-8ED6-27195AE2EE30}"/>
+                <a16:creationId xmlns:a16="http://schemas.microsoft.com/office/drawing/2014/main" xmlns="" id="{9493D533-4B78-4E7B-8ED6-27195AE2EE30}"/>
               </a:ext>
             </a:extLst>
           </p:cNvPr>
@@ -2968,7 +2974,7 @@
           <p:cNvPr id="6" name="Espace réservé du numéro de diapositive 5">
             <a:extLst>
               <a:ext uri="{FF2B5EF4-FFF2-40B4-BE49-F238E27FC236}">
-                <a16:creationId xmlns:a16="http://schemas.microsoft.com/office/drawing/2014/main" id="{4790DBA5-CD7A-4870-B319-670879DD9451}"/>
+                <a16:creationId xmlns:a16="http://schemas.microsoft.com/office/drawing/2014/main" xmlns="" id="{4790DBA5-CD7A-4870-B319-670879DD9451}"/>
               </a:ext>
             </a:extLst>
           </p:cNvPr>
@@ -3336,7 +3342,7 @@
           <p:cNvPr id="2" name="Titre 1">
             <a:extLst>
               <a:ext uri="{FF2B5EF4-FFF2-40B4-BE49-F238E27FC236}">
-                <a16:creationId xmlns:a16="http://schemas.microsoft.com/office/drawing/2014/main" id="{3E9B253E-C4B0-4106-AD22-EDBE39EA4BCA}"/>
+                <a16:creationId xmlns:a16="http://schemas.microsoft.com/office/drawing/2014/main" xmlns="" id="{3E9B253E-C4B0-4106-AD22-EDBE39EA4BCA}"/>
               </a:ext>
             </a:extLst>
           </p:cNvPr>
@@ -3364,7 +3370,7 @@
           <p:cNvPr id="3" name="Sous-titre 2">
             <a:extLst>
               <a:ext uri="{FF2B5EF4-FFF2-40B4-BE49-F238E27FC236}">
-                <a16:creationId xmlns:a16="http://schemas.microsoft.com/office/drawing/2014/main" id="{7A879871-8E60-444D-9779-75A0F2A0EFBE}"/>
+                <a16:creationId xmlns:a16="http://schemas.microsoft.com/office/drawing/2014/main" xmlns="" id="{7A879871-8E60-444D-9779-75A0F2A0EFBE}"/>
               </a:ext>
             </a:extLst>
           </p:cNvPr>
@@ -3419,7 +3425,7 @@
           <p:cNvPr id="2" name="Titre 1">
             <a:extLst>
               <a:ext uri="{FF2B5EF4-FFF2-40B4-BE49-F238E27FC236}">
-                <a16:creationId xmlns:a16="http://schemas.microsoft.com/office/drawing/2014/main" id="{040CA07F-F407-4EE7-BFBD-BEE974C2CAB6}"/>
+                <a16:creationId xmlns:a16="http://schemas.microsoft.com/office/drawing/2014/main" xmlns="" id="{040CA07F-F407-4EE7-BFBD-BEE974C2CAB6}"/>
               </a:ext>
             </a:extLst>
           </p:cNvPr>
@@ -3448,7 +3454,7 @@
           <p:cNvPr id="12" name="ZoneTexte 11">
             <a:extLst>
               <a:ext uri="{FF2B5EF4-FFF2-40B4-BE49-F238E27FC236}">
-                <a16:creationId xmlns:a16="http://schemas.microsoft.com/office/drawing/2014/main" id="{A707C359-4085-4764-8266-632E7BA70B73}"/>
+                <a16:creationId xmlns:a16="http://schemas.microsoft.com/office/drawing/2014/main" xmlns="" id="{A707C359-4085-4764-8266-632E7BA70B73}"/>
               </a:ext>
             </a:extLst>
           </p:cNvPr>
@@ -3484,7 +3490,7 @@
           <p:cNvPr id="5" name="ZoneTexte 4">
             <a:extLst>
               <a:ext uri="{FF2B5EF4-FFF2-40B4-BE49-F238E27FC236}">
-                <a16:creationId xmlns:a16="http://schemas.microsoft.com/office/drawing/2014/main" id="{0F506716-DC82-4E7C-9256-0570AC9EBDAD}"/>
+                <a16:creationId xmlns:a16="http://schemas.microsoft.com/office/drawing/2014/main" xmlns="" id="{0F506716-DC82-4E7C-9256-0570AC9EBDAD}"/>
               </a:ext>
             </a:extLst>
           </p:cNvPr>
@@ -3809,7 +3815,7 @@
           <p:cNvPr id="2" name="Titre 1">
             <a:extLst>
               <a:ext uri="{FF2B5EF4-FFF2-40B4-BE49-F238E27FC236}">
-                <a16:creationId xmlns:a16="http://schemas.microsoft.com/office/drawing/2014/main" id="{040CA07F-F407-4EE7-BFBD-BEE974C2CAB6}"/>
+                <a16:creationId xmlns:a16="http://schemas.microsoft.com/office/drawing/2014/main" xmlns="" id="{040CA07F-F407-4EE7-BFBD-BEE974C2CAB6}"/>
               </a:ext>
             </a:extLst>
           </p:cNvPr>
@@ -3843,7 +3849,7 @@
           <p:cNvPr id="12" name="ZoneTexte 11">
             <a:extLst>
               <a:ext uri="{FF2B5EF4-FFF2-40B4-BE49-F238E27FC236}">
-                <a16:creationId xmlns:a16="http://schemas.microsoft.com/office/drawing/2014/main" id="{A707C359-4085-4764-8266-632E7BA70B73}"/>
+                <a16:creationId xmlns:a16="http://schemas.microsoft.com/office/drawing/2014/main" xmlns="" id="{A707C359-4085-4764-8266-632E7BA70B73}"/>
               </a:ext>
             </a:extLst>
           </p:cNvPr>
@@ -3879,7 +3885,7 @@
           <p:cNvPr id="3" name="Image 2">
             <a:extLst>
               <a:ext uri="{FF2B5EF4-FFF2-40B4-BE49-F238E27FC236}">
-                <a16:creationId xmlns:a16="http://schemas.microsoft.com/office/drawing/2014/main" id="{D9F7A5D0-EEF0-46AF-9795-CEE27ECF7926}"/>
+                <a16:creationId xmlns:a16="http://schemas.microsoft.com/office/drawing/2014/main" xmlns="" id="{D9F7A5D0-EEF0-46AF-9795-CEE27ECF7926}"/>
               </a:ext>
             </a:extLst>
           </p:cNvPr>
@@ -3904,10 +3910,1577 @@
           </a:prstGeom>
         </p:spPr>
       </p:pic>
+      <p:pic>
+        <p:nvPicPr>
+          <p:cNvPr id="4" name="Image 3"/>
+          <p:cNvPicPr>
+            <a:picLocks noChangeAspect="1"/>
+          </p:cNvPicPr>
+          <p:nvPr/>
+        </p:nvPicPr>
+        <p:blipFill>
+          <a:blip r:embed="rId3"/>
+          <a:stretch>
+            <a:fillRect/>
+          </a:stretch>
+        </p:blipFill>
+        <p:spPr>
+          <a:xfrm>
+            <a:off x="1688756" y="4044779"/>
+            <a:ext cx="832536" cy="179742"/>
+          </a:xfrm>
+          <a:prstGeom prst="rect">
+            <a:avLst/>
+          </a:prstGeom>
+        </p:spPr>
+      </p:pic>
     </p:spTree>
     <p:extLst>
       <p:ext uri="{BB962C8B-B14F-4D97-AF65-F5344CB8AC3E}">
         <p14:creationId xmlns:p14="http://schemas.microsoft.com/office/powerpoint/2010/main" val="1622776342"/>
+      </p:ext>
+    </p:extLst>
+  </p:cSld>
+  <p:clrMapOvr>
+    <a:masterClrMapping/>
+  </p:clrMapOvr>
+</p:sld>
+</file>
+
+<file path=ppt/slides/slide12.xml><?xml version="1.0" encoding="utf-8"?>
+<p:sld xmlns:a="http://schemas.openxmlformats.org/drawingml/2006/main" xmlns:r="http://schemas.openxmlformats.org/officeDocument/2006/relationships" xmlns:p="http://schemas.openxmlformats.org/presentationml/2006/main">
+  <p:cSld>
+    <p:spTree>
+      <p:nvGrpSpPr>
+        <p:cNvPr id="1" name=""/>
+        <p:cNvGrpSpPr/>
+        <p:nvPr/>
+      </p:nvGrpSpPr>
+      <p:grpSpPr>
+        <a:xfrm>
+          <a:off x="0" y="0"/>
+          <a:ext cx="0" cy="0"/>
+          <a:chOff x="0" y="0"/>
+          <a:chExt cx="0" cy="0"/>
+        </a:xfrm>
+      </p:grpSpPr>
+      <p:sp>
+        <p:nvSpPr>
+          <p:cNvPr id="2" name="Titre 1">
+            <a:extLst>
+              <a:ext uri="{FF2B5EF4-FFF2-40B4-BE49-F238E27FC236}">
+                <a16:creationId xmlns:a16="http://schemas.microsoft.com/office/drawing/2014/main" xmlns="" id="{040CA07F-F407-4EE7-BFBD-BEE974C2CAB6}"/>
+              </a:ext>
+            </a:extLst>
+          </p:cNvPr>
+          <p:cNvSpPr>
+            <a:spLocks noGrp="1"/>
+          </p:cNvSpPr>
+          <p:nvPr>
+            <p:ph type="title"/>
+          </p:nvPr>
+        </p:nvSpPr>
+        <p:spPr>
+          <a:xfrm>
+            <a:off x="838200" y="-203835"/>
+            <a:ext cx="10515600" cy="1325563"/>
+          </a:xfrm>
+        </p:spPr>
+        <p:txBody>
+          <a:bodyPr/>
+          <a:lstStyle/>
+          <a:p>
+            <a:pPr algn="ctr"/>
+            <a:r>
+              <a:rPr lang="fr-FR" dirty="0"/>
+              <a:t>Examen n°4</a:t>
+            </a:r>
+          </a:p>
+        </p:txBody>
+      </p:sp>
+      <p:sp>
+        <p:nvSpPr>
+          <p:cNvPr id="12" name="ZoneTexte 11">
+            <a:extLst>
+              <a:ext uri="{FF2B5EF4-FFF2-40B4-BE49-F238E27FC236}">
+                <a16:creationId xmlns:a16="http://schemas.microsoft.com/office/drawing/2014/main" xmlns="" id="{A707C359-4085-4764-8266-632E7BA70B73}"/>
+              </a:ext>
+            </a:extLst>
+          </p:cNvPr>
+          <p:cNvSpPr txBox="1"/>
+          <p:nvPr/>
+        </p:nvSpPr>
+        <p:spPr>
+          <a:xfrm>
+            <a:off x="4755776" y="624859"/>
+            <a:ext cx="2680447" cy="523220"/>
+          </a:xfrm>
+          <a:prstGeom prst="rect">
+            <a:avLst/>
+          </a:prstGeom>
+          <a:noFill/>
+        </p:spPr>
+        <p:txBody>
+          <a:bodyPr wrap="square" rtlCol="0">
+            <a:spAutoFit/>
+          </a:bodyPr>
+          <a:lstStyle/>
+          <a:p>
+            <a:pPr algn="ctr"/>
+            <a:r>
+              <a:rPr lang="fr-FR" sz="2800" b="1" dirty="0" smtClean="0"/>
+              <a:t>MPD</a:t>
+            </a:r>
+            <a:endParaRPr lang="fr-FR" sz="2800" b="1" dirty="0"/>
+          </a:p>
+        </p:txBody>
+      </p:sp>
+      <p:graphicFrame>
+        <p:nvGraphicFramePr>
+          <p:cNvPr id="4" name="Tableau 3"/>
+          <p:cNvGraphicFramePr>
+            <a:graphicFrameLocks noGrp="1"/>
+          </p:cNvGraphicFramePr>
+          <p:nvPr>
+            <p:extLst>
+              <p:ext uri="{D42A27DB-BD31-4B8C-83A1-F6EECF244321}">
+                <p14:modId xmlns:p14="http://schemas.microsoft.com/office/powerpoint/2010/main" val="1619412378"/>
+              </p:ext>
+            </p:extLst>
+          </p:nvPr>
+        </p:nvGraphicFramePr>
+        <p:xfrm>
+          <a:off x="4432728" y="1219934"/>
+          <a:ext cx="2063239" cy="731520"/>
+        </p:xfrm>
+        <a:graphic>
+          <a:graphicData uri="http://schemas.openxmlformats.org/drawingml/2006/table">
+            <a:tbl>
+              <a:tblPr firstRow="1" bandRow="1">
+                <a:tableStyleId>{5FD0F851-EC5A-4D38-B0AD-8093EC10F338}</a:tableStyleId>
+              </a:tblPr>
+              <a:tblGrid>
+                <a:gridCol w="2063239"/>
+              </a:tblGrid>
+              <a:tr h="218774">
+                <a:tc>
+                  <a:txBody>
+                    <a:bodyPr/>
+                    <a:lstStyle/>
+                    <a:p>
+                      <a:pPr algn="ctr"/>
+                      <a:r>
+                        <a:rPr lang="fr-FR" sz="900" dirty="0" smtClean="0"/>
+                        <a:t>localisation</a:t>
+                      </a:r>
+                      <a:endParaRPr lang="fr-FR" sz="900" dirty="0"/>
+                    </a:p>
+                  </a:txBody>
+                  <a:tcPr/>
+                </a:tc>
+              </a:tr>
+              <a:tr h="380266">
+                <a:tc>
+                  <a:txBody>
+                    <a:bodyPr/>
+                    <a:lstStyle/>
+                    <a:p>
+                      <a:r>
+                        <a:rPr lang="fr-FR" sz="900" dirty="0" err="1" smtClean="0"/>
+                        <a:t>id_localisation</a:t>
+                      </a:r>
+                      <a:r>
+                        <a:rPr lang="fr-FR" sz="900" dirty="0" smtClean="0"/>
+                        <a:t>          AUTO_INCREMENT</a:t>
+                      </a:r>
+                    </a:p>
+                    <a:p>
+                      <a:endParaRPr lang="fr-FR" sz="900" dirty="0" smtClean="0"/>
+                    </a:p>
+                    <a:p>
+                      <a:r>
+                        <a:rPr lang="fr-FR" sz="900" dirty="0" err="1" smtClean="0"/>
+                        <a:t>Nom_localisation</a:t>
+                      </a:r>
+                      <a:r>
+                        <a:rPr lang="fr-FR" sz="900" dirty="0" smtClean="0"/>
+                        <a:t>     VARCHAR(11)</a:t>
+                      </a:r>
+                    </a:p>
+                  </a:txBody>
+                  <a:tcPr/>
+                </a:tc>
+              </a:tr>
+            </a:tbl>
+          </a:graphicData>
+        </a:graphic>
+      </p:graphicFrame>
+      <p:graphicFrame>
+        <p:nvGraphicFramePr>
+          <p:cNvPr id="6" name="Tableau 5"/>
+          <p:cNvGraphicFramePr>
+            <a:graphicFrameLocks noGrp="1"/>
+          </p:cNvGraphicFramePr>
+          <p:nvPr>
+            <p:extLst>
+              <p:ext uri="{D42A27DB-BD31-4B8C-83A1-F6EECF244321}">
+                <p14:modId xmlns:p14="http://schemas.microsoft.com/office/powerpoint/2010/main" val="3024821211"/>
+              </p:ext>
+            </p:extLst>
+          </p:nvPr>
+        </p:nvGraphicFramePr>
+        <p:xfrm>
+          <a:off x="4740763" y="2534968"/>
+          <a:ext cx="1447167" cy="868680"/>
+        </p:xfrm>
+        <a:graphic>
+          <a:graphicData uri="http://schemas.openxmlformats.org/drawingml/2006/table">
+            <a:tbl>
+              <a:tblPr firstRow="1" bandRow="1">
+                <a:tableStyleId>{5FD0F851-EC5A-4D38-B0AD-8093EC10F338}</a:tableStyleId>
+              </a:tblPr>
+              <a:tblGrid>
+                <a:gridCol w="1447167"/>
+              </a:tblGrid>
+              <a:tr h="179611">
+                <a:tc>
+                  <a:txBody>
+                    <a:bodyPr/>
+                    <a:lstStyle/>
+                    <a:p>
+                      <a:pPr algn="ctr"/>
+                      <a:r>
+                        <a:rPr lang="fr-FR" sz="900" dirty="0" smtClean="0"/>
+                        <a:t>localiser</a:t>
+                      </a:r>
+                      <a:endParaRPr lang="fr-FR" sz="900" dirty="0"/>
+                    </a:p>
+                  </a:txBody>
+                  <a:tcPr/>
+                </a:tc>
+              </a:tr>
+              <a:tr h="531958">
+                <a:tc>
+                  <a:txBody>
+                    <a:bodyPr/>
+                    <a:lstStyle/>
+                    <a:p>
+                      <a:r>
+                        <a:rPr lang="fr-FR" sz="900" dirty="0" err="1" smtClean="0"/>
+                        <a:t>id_localisation</a:t>
+                      </a:r>
+                      <a:r>
+                        <a:rPr lang="fr-FR" sz="900" dirty="0" smtClean="0"/>
+                        <a:t>          INT</a:t>
+                      </a:r>
+                    </a:p>
+                    <a:p>
+                      <a:r>
+                        <a:rPr lang="fr-FR" sz="900" dirty="0" err="1" smtClean="0"/>
+                        <a:t>id_espece</a:t>
+                      </a:r>
+                      <a:r>
+                        <a:rPr lang="fr-FR" sz="900" dirty="0" smtClean="0"/>
+                        <a:t>                  INT</a:t>
+                      </a:r>
+                    </a:p>
+                    <a:p>
+                      <a:endParaRPr lang="fr-FR" sz="900" dirty="0" smtClean="0"/>
+                    </a:p>
+                    <a:p>
+                      <a:r>
+                        <a:rPr lang="fr-FR" sz="900" dirty="0" err="1" smtClean="0"/>
+                        <a:t>Effectif_animal</a:t>
+                      </a:r>
+                      <a:r>
+                        <a:rPr lang="fr-FR" sz="900" dirty="0" smtClean="0"/>
+                        <a:t>         INT(4)</a:t>
+                      </a:r>
+                    </a:p>
+                  </a:txBody>
+                  <a:tcPr/>
+                </a:tc>
+              </a:tr>
+            </a:tbl>
+          </a:graphicData>
+        </a:graphic>
+      </p:graphicFrame>
+      <p:graphicFrame>
+        <p:nvGraphicFramePr>
+          <p:cNvPr id="11" name="Tableau 10"/>
+          <p:cNvGraphicFramePr>
+            <a:graphicFrameLocks noGrp="1"/>
+          </p:cNvGraphicFramePr>
+          <p:nvPr>
+            <p:extLst>
+              <p:ext uri="{D42A27DB-BD31-4B8C-83A1-F6EECF244321}">
+                <p14:modId xmlns:p14="http://schemas.microsoft.com/office/powerpoint/2010/main" val="229272787"/>
+              </p:ext>
+            </p:extLst>
+          </p:nvPr>
+        </p:nvGraphicFramePr>
+        <p:xfrm>
+          <a:off x="6726728" y="1219934"/>
+          <a:ext cx="1977649" cy="868680"/>
+        </p:xfrm>
+        <a:graphic>
+          <a:graphicData uri="http://schemas.openxmlformats.org/drawingml/2006/table">
+            <a:tbl>
+              <a:tblPr firstRow="1" bandRow="1">
+                <a:tableStyleId>{5FD0F851-EC5A-4D38-B0AD-8093EC10F338}</a:tableStyleId>
+              </a:tblPr>
+              <a:tblGrid>
+                <a:gridCol w="1977649"/>
+              </a:tblGrid>
+              <a:tr h="198880">
+                <a:tc>
+                  <a:txBody>
+                    <a:bodyPr/>
+                    <a:lstStyle/>
+                    <a:p>
+                      <a:pPr algn="ctr"/>
+                      <a:r>
+                        <a:rPr lang="fr-FR" sz="900" dirty="0" smtClean="0"/>
+                        <a:t>substituer</a:t>
+                      </a:r>
+                      <a:endParaRPr lang="fr-FR" sz="900" dirty="0"/>
+                    </a:p>
+                  </a:txBody>
+                  <a:tcPr/>
+                </a:tc>
+              </a:tr>
+              <a:tr h="462798">
+                <a:tc>
+                  <a:txBody>
+                    <a:bodyPr/>
+                    <a:lstStyle/>
+                    <a:p>
+                      <a:r>
+                        <a:rPr lang="fr-FR" sz="900" dirty="0" err="1" smtClean="0"/>
+                        <a:t>id_aliment</a:t>
+                      </a:r>
+                      <a:r>
+                        <a:rPr lang="fr-FR" sz="900" dirty="0" smtClean="0"/>
+                        <a:t>                                      INT</a:t>
+                      </a:r>
+                    </a:p>
+                    <a:p>
+                      <a:r>
+                        <a:rPr lang="fr-FR" sz="900" dirty="0" err="1" smtClean="0"/>
+                        <a:t>id_aliment_substituer</a:t>
+                      </a:r>
+                      <a:r>
+                        <a:rPr lang="fr-FR" sz="900" dirty="0" smtClean="0"/>
+                        <a:t> </a:t>
+                      </a:r>
+                      <a:r>
+                        <a:rPr lang="fr-FR" sz="900" baseline="0" dirty="0" smtClean="0"/>
+                        <a:t>                </a:t>
+                      </a:r>
+                      <a:r>
+                        <a:rPr lang="fr-FR" sz="900" dirty="0" smtClean="0"/>
+                        <a:t>INT</a:t>
+                      </a:r>
+                    </a:p>
+                    <a:p>
+                      <a:endParaRPr lang="fr-FR" sz="900" dirty="0" smtClean="0"/>
+                    </a:p>
+                    <a:p>
+                      <a:r>
+                        <a:rPr lang="fr-FR" sz="900" dirty="0" err="1" smtClean="0"/>
+                        <a:t>taux_remplacement_aliment</a:t>
+                      </a:r>
+                      <a:r>
+                        <a:rPr lang="fr-FR" sz="900" baseline="0" dirty="0" smtClean="0"/>
+                        <a:t>    FLOAT</a:t>
+                      </a:r>
+                      <a:endParaRPr lang="fr-FR" sz="900" dirty="0" smtClean="0"/>
+                    </a:p>
+                  </a:txBody>
+                  <a:tcPr/>
+                </a:tc>
+              </a:tr>
+            </a:tbl>
+          </a:graphicData>
+        </a:graphic>
+      </p:graphicFrame>
+      <p:graphicFrame>
+        <p:nvGraphicFramePr>
+          <p:cNvPr id="13" name="Tableau 12"/>
+          <p:cNvGraphicFramePr>
+            <a:graphicFrameLocks noGrp="1"/>
+          </p:cNvGraphicFramePr>
+          <p:nvPr>
+            <p:extLst>
+              <p:ext uri="{D42A27DB-BD31-4B8C-83A1-F6EECF244321}">
+                <p14:modId xmlns:p14="http://schemas.microsoft.com/office/powerpoint/2010/main" val="2165313482"/>
+              </p:ext>
+            </p:extLst>
+          </p:nvPr>
+        </p:nvGraphicFramePr>
+        <p:xfrm>
+          <a:off x="9424661" y="1219934"/>
+          <a:ext cx="2109458" cy="868680"/>
+        </p:xfrm>
+        <a:graphic>
+          <a:graphicData uri="http://schemas.openxmlformats.org/drawingml/2006/table">
+            <a:tbl>
+              <a:tblPr firstRow="1" bandRow="1">
+                <a:tableStyleId>{5FD0F851-EC5A-4D38-B0AD-8093EC10F338}</a:tableStyleId>
+              </a:tblPr>
+              <a:tblGrid>
+                <a:gridCol w="2109458"/>
+              </a:tblGrid>
+              <a:tr h="198880">
+                <a:tc>
+                  <a:txBody>
+                    <a:bodyPr/>
+                    <a:lstStyle/>
+                    <a:p>
+                      <a:pPr algn="ctr"/>
+                      <a:r>
+                        <a:rPr lang="fr-FR" sz="900" dirty="0" smtClean="0"/>
+                        <a:t>substituer</a:t>
+                      </a:r>
+                      <a:endParaRPr lang="fr-FR" sz="900" dirty="0"/>
+                    </a:p>
+                  </a:txBody>
+                  <a:tcPr/>
+                </a:tc>
+              </a:tr>
+              <a:tr h="462798">
+                <a:tc>
+                  <a:txBody>
+                    <a:bodyPr/>
+                    <a:lstStyle/>
+                    <a:p>
+                      <a:pPr marL="0" marR="0" lvl="0" indent="0" algn="l" defTabSz="914400" rtl="0" eaLnBrk="1" fontAlgn="auto" latinLnBrk="0" hangingPunct="1">
+                        <a:lnSpc>
+                          <a:spcPct val="100000"/>
+                        </a:lnSpc>
+                        <a:spcBef>
+                          <a:spcPts val="0"/>
+                        </a:spcBef>
+                        <a:spcAft>
+                          <a:spcPts val="0"/>
+                        </a:spcAft>
+                        <a:buClrTx/>
+                        <a:buSzTx/>
+                        <a:buFontTx/>
+                        <a:buNone/>
+                        <a:tabLst/>
+                        <a:defRPr/>
+                      </a:pPr>
+                      <a:r>
+                        <a:rPr lang="fr-FR" sz="900" dirty="0" err="1" smtClean="0"/>
+                        <a:t>id_aliment</a:t>
+                      </a:r>
+                      <a:r>
+                        <a:rPr lang="fr-FR" sz="900" dirty="0" smtClean="0"/>
+                        <a:t>       </a:t>
+                      </a:r>
+                      <a:r>
+                        <a:rPr lang="fr-FR" sz="900" dirty="0" smtClean="0"/>
+                        <a:t>AUTO_INCREMENT</a:t>
+                      </a:r>
+                    </a:p>
+                    <a:p>
+                      <a:pPr marL="0" marR="0" lvl="0" indent="0" algn="l" defTabSz="914400" rtl="0" eaLnBrk="1" fontAlgn="auto" latinLnBrk="0" hangingPunct="1">
+                        <a:lnSpc>
+                          <a:spcPct val="100000"/>
+                        </a:lnSpc>
+                        <a:spcBef>
+                          <a:spcPts val="0"/>
+                        </a:spcBef>
+                        <a:spcAft>
+                          <a:spcPts val="0"/>
+                        </a:spcAft>
+                        <a:buClrTx/>
+                        <a:buSzTx/>
+                        <a:buFontTx/>
+                        <a:buNone/>
+                        <a:tabLst/>
+                        <a:defRPr/>
+                      </a:pPr>
+                      <a:endParaRPr lang="fr-FR" sz="900" dirty="0" smtClean="0"/>
+                    </a:p>
+                    <a:p>
+                      <a:r>
+                        <a:rPr lang="fr-FR" sz="900" dirty="0" err="1" smtClean="0"/>
+                        <a:t>nom_aliment</a:t>
+                      </a:r>
+                      <a:r>
+                        <a:rPr lang="fr-FR" sz="900" dirty="0" smtClean="0"/>
+                        <a:t>  </a:t>
+                      </a:r>
+                      <a:r>
+                        <a:rPr lang="fr-FR" sz="900" baseline="0" dirty="0" smtClean="0"/>
+                        <a:t> VARCHAR(25)</a:t>
+                      </a:r>
+                    </a:p>
+                    <a:p>
+                      <a:r>
+                        <a:rPr lang="fr-FR" sz="900" baseline="0" dirty="0" err="1" smtClean="0"/>
+                        <a:t>stock_aliment</a:t>
+                      </a:r>
+                      <a:r>
+                        <a:rPr lang="fr-FR" sz="900" baseline="0" dirty="0" smtClean="0"/>
+                        <a:t> INT</a:t>
+                      </a:r>
+                      <a:endParaRPr lang="fr-FR" sz="900" dirty="0" smtClean="0"/>
+                    </a:p>
+                  </a:txBody>
+                  <a:tcPr/>
+                </a:tc>
+              </a:tr>
+            </a:tbl>
+          </a:graphicData>
+        </a:graphic>
+      </p:graphicFrame>
+      <p:cxnSp>
+        <p:nvCxnSpPr>
+          <p:cNvPr id="29" name="Connecteur droit avec flèche 28"/>
+          <p:cNvCxnSpPr>
+            <a:endCxn id="4" idx="2"/>
+          </p:cNvCxnSpPr>
+          <p:nvPr/>
+        </p:nvCxnSpPr>
+        <p:spPr>
+          <a:xfrm flipH="1" flipV="1">
+            <a:off x="5464347" y="1951454"/>
+            <a:ext cx="3950" cy="583514"/>
+          </a:xfrm>
+          <a:prstGeom prst="straightConnector1">
+            <a:avLst/>
+          </a:prstGeom>
+          <a:ln>
+            <a:tailEnd type="triangle"/>
+          </a:ln>
+        </p:spPr>
+        <p:style>
+          <a:lnRef idx="1">
+            <a:schemeClr val="accent1"/>
+          </a:lnRef>
+          <a:fillRef idx="0">
+            <a:schemeClr val="accent1"/>
+          </a:fillRef>
+          <a:effectRef idx="0">
+            <a:schemeClr val="accent1"/>
+          </a:effectRef>
+          <a:fontRef idx="minor">
+            <a:schemeClr val="tx1"/>
+          </a:fontRef>
+        </p:style>
+      </p:cxnSp>
+      <p:cxnSp>
+        <p:nvCxnSpPr>
+          <p:cNvPr id="33" name="Connecteur droit avec flèche 32"/>
+          <p:cNvCxnSpPr/>
+          <p:nvPr/>
+        </p:nvCxnSpPr>
+        <p:spPr>
+          <a:xfrm>
+            <a:off x="8704377" y="1348967"/>
+            <a:ext cx="720284" cy="0"/>
+          </a:xfrm>
+          <a:prstGeom prst="straightConnector1">
+            <a:avLst/>
+          </a:prstGeom>
+          <a:ln>
+            <a:tailEnd type="triangle"/>
+          </a:ln>
+        </p:spPr>
+        <p:style>
+          <a:lnRef idx="1">
+            <a:schemeClr val="accent1"/>
+          </a:lnRef>
+          <a:fillRef idx="0">
+            <a:schemeClr val="accent1"/>
+          </a:fillRef>
+          <a:effectRef idx="0">
+            <a:schemeClr val="accent1"/>
+          </a:effectRef>
+          <a:fontRef idx="minor">
+            <a:schemeClr val="tx1"/>
+          </a:fontRef>
+        </p:style>
+      </p:cxnSp>
+      <p:cxnSp>
+        <p:nvCxnSpPr>
+          <p:cNvPr id="35" name="Connecteur droit avec flèche 34"/>
+          <p:cNvCxnSpPr/>
+          <p:nvPr/>
+        </p:nvCxnSpPr>
+        <p:spPr>
+          <a:xfrm>
+            <a:off x="8704377" y="1828800"/>
+            <a:ext cx="720284" cy="0"/>
+          </a:xfrm>
+          <a:prstGeom prst="straightConnector1">
+            <a:avLst/>
+          </a:prstGeom>
+          <a:ln>
+            <a:tailEnd type="triangle"/>
+          </a:ln>
+        </p:spPr>
+        <p:style>
+          <a:lnRef idx="1">
+            <a:schemeClr val="accent1"/>
+          </a:lnRef>
+          <a:fillRef idx="0">
+            <a:schemeClr val="accent1"/>
+          </a:fillRef>
+          <a:effectRef idx="0">
+            <a:schemeClr val="accent1"/>
+          </a:effectRef>
+          <a:fontRef idx="minor">
+            <a:schemeClr val="tx1"/>
+          </a:fontRef>
+        </p:style>
+      </p:cxnSp>
+      <p:graphicFrame>
+        <p:nvGraphicFramePr>
+          <p:cNvPr id="36" name="Tableau 35"/>
+          <p:cNvGraphicFramePr>
+            <a:graphicFrameLocks noGrp="1"/>
+          </p:cNvGraphicFramePr>
+          <p:nvPr>
+            <p:extLst>
+              <p:ext uri="{D42A27DB-BD31-4B8C-83A1-F6EECF244321}">
+                <p14:modId xmlns:p14="http://schemas.microsoft.com/office/powerpoint/2010/main" val="573186375"/>
+              </p:ext>
+            </p:extLst>
+          </p:nvPr>
+        </p:nvGraphicFramePr>
+        <p:xfrm>
+          <a:off x="9275279" y="2534969"/>
+          <a:ext cx="2408222" cy="868680"/>
+        </p:xfrm>
+        <a:graphic>
+          <a:graphicData uri="http://schemas.openxmlformats.org/drawingml/2006/table">
+            <a:tbl>
+              <a:tblPr firstRow="1" bandRow="1">
+                <a:tableStyleId>{5FD0F851-EC5A-4D38-B0AD-8093EC10F338}</a:tableStyleId>
+              </a:tblPr>
+              <a:tblGrid>
+                <a:gridCol w="2408222"/>
+              </a:tblGrid>
+              <a:tr h="200385">
+                <a:tc>
+                  <a:txBody>
+                    <a:bodyPr/>
+                    <a:lstStyle/>
+                    <a:p>
+                      <a:pPr algn="ctr"/>
+                      <a:r>
+                        <a:rPr lang="fr-FR" sz="900" dirty="0" smtClean="0"/>
+                        <a:t>manger</a:t>
+                      </a:r>
+                      <a:endParaRPr lang="fr-FR" sz="900" dirty="0"/>
+                    </a:p>
+                  </a:txBody>
+                  <a:tcPr/>
+                </a:tc>
+              </a:tr>
+              <a:tr h="531134">
+                <a:tc>
+                  <a:txBody>
+                    <a:bodyPr/>
+                    <a:lstStyle/>
+                    <a:p>
+                      <a:r>
+                        <a:rPr lang="fr-FR" sz="900" dirty="0" err="1" smtClean="0"/>
+                        <a:t>id_aliment</a:t>
+                      </a:r>
+                      <a:r>
+                        <a:rPr lang="fr-FR" sz="900" dirty="0" smtClean="0"/>
+                        <a:t>                   INT</a:t>
+                      </a:r>
+                    </a:p>
+                    <a:p>
+                      <a:r>
+                        <a:rPr lang="fr-FR" sz="900" dirty="0" err="1" smtClean="0"/>
+                        <a:t>id_espece</a:t>
+                      </a:r>
+                      <a:r>
+                        <a:rPr lang="fr-FR" sz="900" baseline="0" dirty="0" smtClean="0"/>
+                        <a:t>                    </a:t>
+                      </a:r>
+                      <a:r>
+                        <a:rPr lang="fr-FR" sz="900" dirty="0" smtClean="0"/>
+                        <a:t>INT</a:t>
+                      </a:r>
+                    </a:p>
+                    <a:p>
+                      <a:endParaRPr lang="fr-FR" sz="900" dirty="0" smtClean="0"/>
+                    </a:p>
+                    <a:p>
+                      <a:r>
+                        <a:rPr lang="fr-FR" sz="900" dirty="0" err="1" smtClean="0"/>
+                        <a:t>quantite_mange</a:t>
+                      </a:r>
+                      <a:r>
+                        <a:rPr lang="fr-FR" sz="900" dirty="0" smtClean="0"/>
+                        <a:t>        INT</a:t>
+                      </a:r>
+                    </a:p>
+                  </a:txBody>
+                  <a:tcPr/>
+                </a:tc>
+              </a:tr>
+            </a:tbl>
+          </a:graphicData>
+        </a:graphic>
+      </p:graphicFrame>
+      <p:cxnSp>
+        <p:nvCxnSpPr>
+          <p:cNvPr id="38" name="Connecteur droit avec flèche 37"/>
+          <p:cNvCxnSpPr>
+            <a:endCxn id="13" idx="2"/>
+          </p:cNvCxnSpPr>
+          <p:nvPr/>
+        </p:nvCxnSpPr>
+        <p:spPr>
+          <a:xfrm flipV="1">
+            <a:off x="10479390" y="2088614"/>
+            <a:ext cx="0" cy="446354"/>
+          </a:xfrm>
+          <a:prstGeom prst="straightConnector1">
+            <a:avLst/>
+          </a:prstGeom>
+          <a:ln>
+            <a:tailEnd type="triangle"/>
+          </a:ln>
+        </p:spPr>
+        <p:style>
+          <a:lnRef idx="1">
+            <a:schemeClr val="accent1"/>
+          </a:lnRef>
+          <a:fillRef idx="0">
+            <a:schemeClr val="accent1"/>
+          </a:fillRef>
+          <a:effectRef idx="0">
+            <a:schemeClr val="accent1"/>
+          </a:effectRef>
+          <a:fontRef idx="minor">
+            <a:schemeClr val="tx1"/>
+          </a:fontRef>
+        </p:style>
+      </p:cxnSp>
+      <p:graphicFrame>
+        <p:nvGraphicFramePr>
+          <p:cNvPr id="41" name="Tableau 40"/>
+          <p:cNvGraphicFramePr>
+            <a:graphicFrameLocks noGrp="1"/>
+          </p:cNvGraphicFramePr>
+          <p:nvPr>
+            <p:extLst>
+              <p:ext uri="{D42A27DB-BD31-4B8C-83A1-F6EECF244321}">
+                <p14:modId xmlns:p14="http://schemas.microsoft.com/office/powerpoint/2010/main" val="2950908915"/>
+              </p:ext>
+            </p:extLst>
+          </p:nvPr>
+        </p:nvGraphicFramePr>
+        <p:xfrm>
+          <a:off x="9252646" y="3710704"/>
+          <a:ext cx="2408222" cy="1143000"/>
+        </p:xfrm>
+        <a:graphic>
+          <a:graphicData uri="http://schemas.openxmlformats.org/drawingml/2006/table">
+            <a:tbl>
+              <a:tblPr firstRow="1" bandRow="1">
+                <a:tableStyleId>{5FD0F851-EC5A-4D38-B0AD-8093EC10F338}</a:tableStyleId>
+              </a:tblPr>
+              <a:tblGrid>
+                <a:gridCol w="2408222"/>
+              </a:tblGrid>
+              <a:tr h="162965">
+                <a:tc>
+                  <a:txBody>
+                    <a:bodyPr/>
+                    <a:lstStyle/>
+                    <a:p>
+                      <a:pPr algn="ctr"/>
+                      <a:r>
+                        <a:rPr lang="fr-FR" sz="900" dirty="0" err="1" smtClean="0"/>
+                        <a:t>espece</a:t>
+                      </a:r>
+                      <a:endParaRPr lang="fr-FR" sz="900" dirty="0"/>
+                    </a:p>
+                  </a:txBody>
+                  <a:tcPr/>
+                </a:tc>
+              </a:tr>
+              <a:tr h="846501">
+                <a:tc>
+                  <a:txBody>
+                    <a:bodyPr/>
+                    <a:lstStyle/>
+                    <a:p>
+                      <a:r>
+                        <a:rPr lang="fr-FR" sz="900" dirty="0" err="1" smtClean="0"/>
+                        <a:t>id_espece</a:t>
+                      </a:r>
+                      <a:r>
+                        <a:rPr lang="fr-FR" sz="900" baseline="0" dirty="0" smtClean="0"/>
+                        <a:t>                                 AUTO_INCREMENT</a:t>
+                      </a:r>
+                    </a:p>
+                    <a:p>
+                      <a:r>
+                        <a:rPr lang="fr-FR" sz="900" baseline="0" dirty="0" err="1" smtClean="0"/>
+                        <a:t>id_famille</a:t>
+                      </a:r>
+                      <a:r>
+                        <a:rPr lang="fr-FR" sz="900" baseline="0" dirty="0" smtClean="0"/>
+                        <a:t>                                 INT</a:t>
+                      </a:r>
+                    </a:p>
+                    <a:p>
+                      <a:endParaRPr lang="fr-FR" sz="900" dirty="0" smtClean="0"/>
+                    </a:p>
+                    <a:p>
+                      <a:r>
+                        <a:rPr lang="fr-FR" sz="900" dirty="0" err="1" smtClean="0"/>
+                        <a:t>nom_scientifique_espece</a:t>
+                      </a:r>
+                      <a:r>
+                        <a:rPr lang="fr-FR" sz="900" dirty="0" smtClean="0"/>
+                        <a:t>     VARCHAR(25)</a:t>
+                      </a:r>
+                    </a:p>
+                    <a:p>
+                      <a:r>
+                        <a:rPr lang="fr-FR" sz="900" dirty="0" err="1" smtClean="0"/>
+                        <a:t>nom_vulgaire_espece</a:t>
+                      </a:r>
+                      <a:r>
+                        <a:rPr lang="fr-FR" sz="900" dirty="0" smtClean="0"/>
+                        <a:t>            </a:t>
+                      </a:r>
+                      <a:r>
+                        <a:rPr lang="fr-FR" sz="900" dirty="0" smtClean="0"/>
+                        <a:t>VARCHAR(25)</a:t>
+                      </a:r>
+                      <a:endParaRPr lang="fr-FR" sz="900" dirty="0" smtClean="0"/>
+                    </a:p>
+                    <a:p>
+                      <a:r>
+                        <a:rPr lang="fr-FR" sz="900" dirty="0" err="1" smtClean="0"/>
+                        <a:t>population_espece</a:t>
+                      </a:r>
+                      <a:r>
+                        <a:rPr lang="fr-FR" sz="900" dirty="0" smtClean="0"/>
+                        <a:t>                 INT</a:t>
+                      </a:r>
+                      <a:r>
+                        <a:rPr lang="fr-FR" sz="900" baseline="0" dirty="0" smtClean="0"/>
+                        <a:t>(8)</a:t>
+                      </a:r>
+                      <a:endParaRPr lang="fr-FR" sz="900" dirty="0" smtClean="0"/>
+                    </a:p>
+                  </a:txBody>
+                  <a:tcPr/>
+                </a:tc>
+              </a:tr>
+            </a:tbl>
+          </a:graphicData>
+        </a:graphic>
+      </p:graphicFrame>
+      <p:cxnSp>
+        <p:nvCxnSpPr>
+          <p:cNvPr id="43" name="Connecteur droit avec flèche 42"/>
+          <p:cNvCxnSpPr>
+            <a:stCxn id="41" idx="2"/>
+          </p:cNvCxnSpPr>
+          <p:nvPr/>
+        </p:nvCxnSpPr>
+        <p:spPr>
+          <a:xfrm>
+            <a:off x="10456757" y="4853704"/>
+            <a:ext cx="0" cy="569322"/>
+          </a:xfrm>
+          <a:prstGeom prst="straightConnector1">
+            <a:avLst/>
+          </a:prstGeom>
+          <a:ln>
+            <a:tailEnd type="triangle"/>
+          </a:ln>
+        </p:spPr>
+        <p:style>
+          <a:lnRef idx="1">
+            <a:schemeClr val="accent1"/>
+          </a:lnRef>
+          <a:fillRef idx="0">
+            <a:schemeClr val="accent1"/>
+          </a:fillRef>
+          <a:effectRef idx="0">
+            <a:schemeClr val="accent1"/>
+          </a:effectRef>
+          <a:fontRef idx="minor">
+            <a:schemeClr val="tx1"/>
+          </a:fontRef>
+        </p:style>
+      </p:cxnSp>
+      <p:graphicFrame>
+        <p:nvGraphicFramePr>
+          <p:cNvPr id="45" name="Tableau 44"/>
+          <p:cNvGraphicFramePr>
+            <a:graphicFrameLocks noGrp="1"/>
+          </p:cNvGraphicFramePr>
+          <p:nvPr>
+            <p:extLst>
+              <p:ext uri="{D42A27DB-BD31-4B8C-83A1-F6EECF244321}">
+                <p14:modId xmlns:p14="http://schemas.microsoft.com/office/powerpoint/2010/main" val="1370136572"/>
+              </p:ext>
+            </p:extLst>
+          </p:nvPr>
+        </p:nvGraphicFramePr>
+        <p:xfrm>
+          <a:off x="9424661" y="5435559"/>
+          <a:ext cx="2109458" cy="731520"/>
+        </p:xfrm>
+        <a:graphic>
+          <a:graphicData uri="http://schemas.openxmlformats.org/drawingml/2006/table">
+            <a:tbl>
+              <a:tblPr firstRow="1" bandRow="1">
+                <a:tableStyleId>{5FD0F851-EC5A-4D38-B0AD-8093EC10F338}</a:tableStyleId>
+              </a:tblPr>
+              <a:tblGrid>
+                <a:gridCol w="2109458"/>
+              </a:tblGrid>
+              <a:tr h="214373">
+                <a:tc>
+                  <a:txBody>
+                    <a:bodyPr/>
+                    <a:lstStyle/>
+                    <a:p>
+                      <a:pPr algn="ctr"/>
+                      <a:r>
+                        <a:rPr lang="fr-FR" sz="900" dirty="0" smtClean="0"/>
+                        <a:t>famille</a:t>
+                      </a:r>
+                      <a:endParaRPr lang="fr-FR" sz="900" dirty="0"/>
+                    </a:p>
+                  </a:txBody>
+                  <a:tcPr/>
+                </a:tc>
+              </a:tr>
+              <a:tr h="433997">
+                <a:tc>
+                  <a:txBody>
+                    <a:bodyPr/>
+                    <a:lstStyle/>
+                    <a:p>
+                      <a:pPr marL="0" marR="0" lvl="0" indent="0" algn="l" defTabSz="914400" rtl="0" eaLnBrk="1" fontAlgn="auto" latinLnBrk="0" hangingPunct="1">
+                        <a:lnSpc>
+                          <a:spcPct val="100000"/>
+                        </a:lnSpc>
+                        <a:spcBef>
+                          <a:spcPts val="0"/>
+                        </a:spcBef>
+                        <a:spcAft>
+                          <a:spcPts val="0"/>
+                        </a:spcAft>
+                        <a:buClrTx/>
+                        <a:buSzTx/>
+                        <a:buFontTx/>
+                        <a:buNone/>
+                        <a:tabLst/>
+                        <a:defRPr/>
+                      </a:pPr>
+                      <a:r>
+                        <a:rPr lang="fr-FR" sz="900" dirty="0" err="1" smtClean="0"/>
+                        <a:t>id_famille</a:t>
+                      </a:r>
+                      <a:r>
+                        <a:rPr lang="fr-FR" sz="900" dirty="0" smtClean="0"/>
+                        <a:t>         </a:t>
+                      </a:r>
+                      <a:r>
+                        <a:rPr lang="fr-FR" sz="900" dirty="0" smtClean="0"/>
+                        <a:t>AUTO_INCREMENT</a:t>
+                      </a:r>
+                    </a:p>
+                    <a:p>
+                      <a:pPr marL="0" marR="0" lvl="0" indent="0" algn="l" defTabSz="914400" rtl="0" eaLnBrk="1" fontAlgn="auto" latinLnBrk="0" hangingPunct="1">
+                        <a:lnSpc>
+                          <a:spcPct val="100000"/>
+                        </a:lnSpc>
+                        <a:spcBef>
+                          <a:spcPts val="0"/>
+                        </a:spcBef>
+                        <a:spcAft>
+                          <a:spcPts val="0"/>
+                        </a:spcAft>
+                        <a:buClrTx/>
+                        <a:buSzTx/>
+                        <a:buFontTx/>
+                        <a:buNone/>
+                        <a:tabLst/>
+                        <a:defRPr/>
+                      </a:pPr>
+                      <a:endParaRPr lang="fr-FR" sz="900" dirty="0" smtClean="0"/>
+                    </a:p>
+                    <a:p>
+                      <a:r>
+                        <a:rPr lang="fr-FR" sz="900" dirty="0" err="1" smtClean="0"/>
+                        <a:t>nom_famille</a:t>
+                      </a:r>
+                      <a:r>
+                        <a:rPr lang="fr-FR" sz="900" baseline="0" dirty="0" smtClean="0"/>
+                        <a:t>  </a:t>
+                      </a:r>
+                      <a:r>
+                        <a:rPr lang="fr-FR" sz="900" dirty="0" smtClean="0"/>
+                        <a:t> </a:t>
+                      </a:r>
+                      <a:r>
+                        <a:rPr lang="fr-FR" sz="900" baseline="0" dirty="0" smtClean="0"/>
+                        <a:t> VARCHAR(11)</a:t>
+                      </a:r>
+                    </a:p>
+                  </a:txBody>
+                  <a:tcPr/>
+                </a:tc>
+              </a:tr>
+            </a:tbl>
+          </a:graphicData>
+        </a:graphic>
+      </p:graphicFrame>
+      <p:cxnSp>
+        <p:nvCxnSpPr>
+          <p:cNvPr id="47" name="Connecteur en angle 46"/>
+          <p:cNvCxnSpPr/>
+          <p:nvPr/>
+        </p:nvCxnSpPr>
+        <p:spPr>
+          <a:xfrm>
+            <a:off x="6187930" y="3150606"/>
+            <a:ext cx="3064716" cy="679010"/>
+          </a:xfrm>
+          <a:prstGeom prst="bentConnector3">
+            <a:avLst/>
+          </a:prstGeom>
+          <a:ln>
+            <a:tailEnd type="triangle"/>
+          </a:ln>
+        </p:spPr>
+        <p:style>
+          <a:lnRef idx="1">
+            <a:schemeClr val="accent1"/>
+          </a:lnRef>
+          <a:fillRef idx="0">
+            <a:schemeClr val="accent1"/>
+          </a:fillRef>
+          <a:effectRef idx="0">
+            <a:schemeClr val="accent1"/>
+          </a:effectRef>
+          <a:fontRef idx="minor">
+            <a:schemeClr val="tx1"/>
+          </a:fontRef>
+        </p:style>
+      </p:cxnSp>
+      <p:graphicFrame>
+        <p:nvGraphicFramePr>
+          <p:cNvPr id="50" name="Tableau 49"/>
+          <p:cNvGraphicFramePr>
+            <a:graphicFrameLocks noGrp="1"/>
+          </p:cNvGraphicFramePr>
+          <p:nvPr>
+            <p:extLst>
+              <p:ext uri="{D42A27DB-BD31-4B8C-83A1-F6EECF244321}">
+                <p14:modId xmlns:p14="http://schemas.microsoft.com/office/powerpoint/2010/main" val="1879679181"/>
+              </p:ext>
+            </p:extLst>
+          </p:nvPr>
+        </p:nvGraphicFramePr>
+        <p:xfrm>
+          <a:off x="4260236" y="3710704"/>
+          <a:ext cx="2408222" cy="1554480"/>
+        </p:xfrm>
+        <a:graphic>
+          <a:graphicData uri="http://schemas.openxmlformats.org/drawingml/2006/table">
+            <a:tbl>
+              <a:tblPr firstRow="1" bandRow="1">
+                <a:tableStyleId>{5FD0F851-EC5A-4D38-B0AD-8093EC10F338}</a:tableStyleId>
+              </a:tblPr>
+              <a:tblGrid>
+                <a:gridCol w="2408222"/>
+              </a:tblGrid>
+              <a:tr h="162965">
+                <a:tc>
+                  <a:txBody>
+                    <a:bodyPr/>
+                    <a:lstStyle/>
+                    <a:p>
+                      <a:pPr algn="ctr"/>
+                      <a:r>
+                        <a:rPr lang="fr-FR" sz="900" dirty="0" err="1" smtClean="0"/>
+                        <a:t>espece</a:t>
+                      </a:r>
+                      <a:endParaRPr lang="fr-FR" sz="900" dirty="0"/>
+                    </a:p>
+                  </a:txBody>
+                  <a:tcPr/>
+                </a:tc>
+              </a:tr>
+              <a:tr h="846501">
+                <a:tc>
+                  <a:txBody>
+                    <a:bodyPr/>
+                    <a:lstStyle/>
+                    <a:p>
+                      <a:r>
+                        <a:rPr lang="fr-FR" sz="900" dirty="0" err="1" smtClean="0"/>
+                        <a:t>id_animal</a:t>
+                      </a:r>
+                      <a:r>
+                        <a:rPr lang="fr-FR" sz="900" baseline="0" dirty="0" smtClean="0"/>
+                        <a:t>                             AUTO_INCREMENT</a:t>
+                      </a:r>
+                    </a:p>
+                    <a:p>
+                      <a:r>
+                        <a:rPr lang="fr-FR" sz="900" baseline="0" dirty="0" err="1" smtClean="0"/>
+                        <a:t>id_espece</a:t>
+                      </a:r>
+                      <a:r>
+                        <a:rPr lang="fr-FR" sz="900" baseline="0" dirty="0" smtClean="0"/>
+                        <a:t>                            INT</a:t>
+                      </a:r>
+                    </a:p>
+                    <a:p>
+                      <a:r>
+                        <a:rPr lang="fr-FR" sz="900" baseline="0" dirty="0" err="1" smtClean="0"/>
+                        <a:t>id_localisation</a:t>
+                      </a:r>
+                      <a:r>
+                        <a:rPr lang="fr-FR" sz="900" baseline="0" dirty="0" smtClean="0"/>
+                        <a:t>                    INT</a:t>
+                      </a:r>
+                    </a:p>
+                    <a:p>
+                      <a:endParaRPr lang="fr-FR" sz="900" dirty="0" smtClean="0"/>
+                    </a:p>
+                    <a:p>
+                      <a:r>
+                        <a:rPr lang="fr-FR" sz="900" dirty="0" err="1" smtClean="0"/>
+                        <a:t>sexe_animal</a:t>
+                      </a:r>
+                      <a:r>
+                        <a:rPr lang="fr-FR" sz="900" dirty="0" smtClean="0"/>
+                        <a:t>                        VARCHAR(25)</a:t>
+                      </a:r>
+                    </a:p>
+                    <a:p>
+                      <a:r>
+                        <a:rPr lang="fr-FR" sz="900" dirty="0" err="1" smtClean="0"/>
+                        <a:t>nom_animal</a:t>
+                      </a:r>
+                      <a:r>
+                        <a:rPr lang="fr-FR" sz="900" dirty="0" smtClean="0"/>
+                        <a:t>                        </a:t>
+                      </a:r>
+                      <a:r>
+                        <a:rPr lang="fr-FR" sz="900" dirty="0" smtClean="0"/>
+                        <a:t>VARCHAR(25)</a:t>
+                      </a:r>
+                      <a:endParaRPr lang="fr-FR" sz="900" dirty="0" smtClean="0"/>
+                    </a:p>
+                    <a:p>
+                      <a:r>
+                        <a:rPr lang="fr-FR" sz="900" dirty="0" err="1" smtClean="0"/>
+                        <a:t>date_naissance_animal</a:t>
+                      </a:r>
+                      <a:r>
+                        <a:rPr lang="fr-FR" sz="900" baseline="0" dirty="0" smtClean="0"/>
+                        <a:t>    DATE(10)</a:t>
+                      </a:r>
+                    </a:p>
+                    <a:p>
+                      <a:r>
+                        <a:rPr lang="fr-FR" sz="900" baseline="0" dirty="0" err="1" smtClean="0"/>
+                        <a:t>Date_arrivee_animal</a:t>
+                      </a:r>
+                      <a:r>
+                        <a:rPr lang="fr-FR" sz="900" baseline="0" dirty="0" smtClean="0"/>
+                        <a:t>         DATE(10)</a:t>
+                      </a:r>
+                    </a:p>
+                    <a:p>
+                      <a:r>
+                        <a:rPr lang="fr-FR" sz="900" baseline="0" dirty="0" err="1" smtClean="0"/>
+                        <a:t>remarques_animal</a:t>
+                      </a:r>
+                      <a:r>
+                        <a:rPr lang="fr-FR" sz="900" baseline="0" dirty="0" smtClean="0"/>
+                        <a:t>             VARCHAR(150)</a:t>
+                      </a:r>
+                      <a:endParaRPr lang="fr-FR" sz="900" dirty="0" smtClean="0"/>
+                    </a:p>
+                  </a:txBody>
+                  <a:tcPr/>
+                </a:tc>
+              </a:tr>
+            </a:tbl>
+          </a:graphicData>
+        </a:graphic>
+      </p:graphicFrame>
+      <p:cxnSp>
+        <p:nvCxnSpPr>
+          <p:cNvPr id="62" name="Connecteur droit avec flèche 61"/>
+          <p:cNvCxnSpPr/>
+          <p:nvPr/>
+        </p:nvCxnSpPr>
+        <p:spPr>
+          <a:xfrm>
+            <a:off x="10456756" y="3403648"/>
+            <a:ext cx="0" cy="307056"/>
+          </a:xfrm>
+          <a:prstGeom prst="straightConnector1">
+            <a:avLst/>
+          </a:prstGeom>
+          <a:ln>
+            <a:tailEnd type="triangle"/>
+          </a:ln>
+        </p:spPr>
+        <p:style>
+          <a:lnRef idx="1">
+            <a:schemeClr val="accent1"/>
+          </a:lnRef>
+          <a:fillRef idx="0">
+            <a:schemeClr val="accent1"/>
+          </a:fillRef>
+          <a:effectRef idx="0">
+            <a:schemeClr val="accent1"/>
+          </a:effectRef>
+          <a:fontRef idx="minor">
+            <a:schemeClr val="tx1"/>
+          </a:fontRef>
+        </p:style>
+      </p:cxnSp>
+      <p:cxnSp>
+        <p:nvCxnSpPr>
+          <p:cNvPr id="66" name="Connecteur droit avec flèche 65"/>
+          <p:cNvCxnSpPr/>
+          <p:nvPr/>
+        </p:nvCxnSpPr>
+        <p:spPr>
+          <a:xfrm flipV="1">
+            <a:off x="6668458" y="4037846"/>
+            <a:ext cx="2584188" cy="9053"/>
+          </a:xfrm>
+          <a:prstGeom prst="straightConnector1">
+            <a:avLst/>
+          </a:prstGeom>
+          <a:ln>
+            <a:tailEnd type="triangle"/>
+          </a:ln>
+        </p:spPr>
+        <p:style>
+          <a:lnRef idx="1">
+            <a:schemeClr val="accent1"/>
+          </a:lnRef>
+          <a:fillRef idx="0">
+            <a:schemeClr val="accent1"/>
+          </a:fillRef>
+          <a:effectRef idx="0">
+            <a:schemeClr val="accent1"/>
+          </a:effectRef>
+          <a:fontRef idx="minor">
+            <a:schemeClr val="tx1"/>
+          </a:fontRef>
+        </p:style>
+      </p:cxnSp>
+      <p:cxnSp>
+        <p:nvCxnSpPr>
+          <p:cNvPr id="68" name="Connecteur droit avec flèche 67"/>
+          <p:cNvCxnSpPr/>
+          <p:nvPr/>
+        </p:nvCxnSpPr>
+        <p:spPr>
+          <a:xfrm flipH="1">
+            <a:off x="2743203" y="4037846"/>
+            <a:ext cx="1517033" cy="0"/>
+          </a:xfrm>
+          <a:prstGeom prst="straightConnector1">
+            <a:avLst/>
+          </a:prstGeom>
+          <a:ln>
+            <a:tailEnd type="triangle"/>
+          </a:ln>
+        </p:spPr>
+        <p:style>
+          <a:lnRef idx="1">
+            <a:schemeClr val="accent1"/>
+          </a:lnRef>
+          <a:fillRef idx="0">
+            <a:schemeClr val="accent1"/>
+          </a:fillRef>
+          <a:effectRef idx="0">
+            <a:schemeClr val="accent1"/>
+          </a:effectRef>
+          <a:fontRef idx="minor">
+            <a:schemeClr val="tx1"/>
+          </a:fontRef>
+        </p:style>
+      </p:cxnSp>
+      <p:graphicFrame>
+        <p:nvGraphicFramePr>
+          <p:cNvPr id="69" name="Tableau 68"/>
+          <p:cNvGraphicFramePr>
+            <a:graphicFrameLocks noGrp="1"/>
+          </p:cNvGraphicFramePr>
+          <p:nvPr>
+            <p:extLst>
+              <p:ext uri="{D42A27DB-BD31-4B8C-83A1-F6EECF244321}">
+                <p14:modId xmlns:p14="http://schemas.microsoft.com/office/powerpoint/2010/main" val="714399649"/>
+              </p:ext>
+            </p:extLst>
+          </p:nvPr>
+        </p:nvGraphicFramePr>
+        <p:xfrm>
+          <a:off x="756722" y="3710705"/>
+          <a:ext cx="1986481" cy="868680"/>
+        </p:xfrm>
+        <a:graphic>
+          <a:graphicData uri="http://schemas.openxmlformats.org/drawingml/2006/table">
+            <a:tbl>
+              <a:tblPr firstRow="1" bandRow="1">
+                <a:tableStyleId>{5FD0F851-EC5A-4D38-B0AD-8093EC10F338}</a:tableStyleId>
+              </a:tblPr>
+              <a:tblGrid>
+                <a:gridCol w="1986481"/>
+              </a:tblGrid>
+              <a:tr h="218774">
+                <a:tc>
+                  <a:txBody>
+                    <a:bodyPr/>
+                    <a:lstStyle/>
+                    <a:p>
+                      <a:pPr algn="ctr"/>
+                      <a:r>
+                        <a:rPr lang="fr-FR" sz="900" dirty="0" smtClean="0"/>
+                        <a:t>enclos</a:t>
+                      </a:r>
+                      <a:endParaRPr lang="fr-FR" sz="900" dirty="0"/>
+                    </a:p>
+                  </a:txBody>
+                  <a:tcPr/>
+                </a:tc>
+              </a:tr>
+              <a:tr h="380266">
+                <a:tc>
+                  <a:txBody>
+                    <a:bodyPr/>
+                    <a:lstStyle/>
+                    <a:p>
+                      <a:r>
+                        <a:rPr lang="fr-FR" sz="900" dirty="0" err="1" smtClean="0"/>
+                        <a:t>id_enclos</a:t>
+                      </a:r>
+                      <a:r>
+                        <a:rPr lang="fr-FR" sz="900" dirty="0" smtClean="0"/>
+                        <a:t>                 AUTO_INCREMENT</a:t>
+                      </a:r>
+                    </a:p>
+                    <a:p>
+                      <a:r>
+                        <a:rPr lang="fr-FR" sz="900" dirty="0" err="1" smtClean="0"/>
+                        <a:t>id_type_enclos</a:t>
+                      </a:r>
+                      <a:r>
+                        <a:rPr lang="fr-FR" sz="900" dirty="0" smtClean="0"/>
+                        <a:t>       INT</a:t>
+                      </a:r>
+                    </a:p>
+                    <a:p>
+                      <a:endParaRPr lang="fr-FR" sz="900" dirty="0" smtClean="0"/>
+                    </a:p>
+                    <a:p>
+                      <a:r>
+                        <a:rPr lang="fr-FR" sz="900" dirty="0" err="1" smtClean="0"/>
+                        <a:t>Situation_enclos</a:t>
+                      </a:r>
+                      <a:r>
+                        <a:rPr lang="fr-FR" sz="900" dirty="0" smtClean="0"/>
+                        <a:t>    VARCHAR(11)</a:t>
+                      </a:r>
+                    </a:p>
+                  </a:txBody>
+                  <a:tcPr/>
+                </a:tc>
+              </a:tr>
+            </a:tbl>
+          </a:graphicData>
+        </a:graphic>
+      </p:graphicFrame>
+      <p:graphicFrame>
+        <p:nvGraphicFramePr>
+          <p:cNvPr id="70" name="Tableau 69"/>
+          <p:cNvGraphicFramePr>
+            <a:graphicFrameLocks noGrp="1"/>
+          </p:cNvGraphicFramePr>
+          <p:nvPr>
+            <p:extLst>
+              <p:ext uri="{D42A27DB-BD31-4B8C-83A1-F6EECF244321}">
+                <p14:modId xmlns:p14="http://schemas.microsoft.com/office/powerpoint/2010/main" val="2443492380"/>
+              </p:ext>
+            </p:extLst>
+          </p:nvPr>
+        </p:nvGraphicFramePr>
+        <p:xfrm>
+          <a:off x="569515" y="5423026"/>
+          <a:ext cx="2360893" cy="731520"/>
+        </p:xfrm>
+        <a:graphic>
+          <a:graphicData uri="http://schemas.openxmlformats.org/drawingml/2006/table">
+            <a:tbl>
+              <a:tblPr firstRow="1" bandRow="1">
+                <a:tableStyleId>{5FD0F851-EC5A-4D38-B0AD-8093EC10F338}</a:tableStyleId>
+              </a:tblPr>
+              <a:tblGrid>
+                <a:gridCol w="2360893"/>
+              </a:tblGrid>
+              <a:tr h="214373">
+                <a:tc>
+                  <a:txBody>
+                    <a:bodyPr/>
+                    <a:lstStyle/>
+                    <a:p>
+                      <a:pPr algn="ctr"/>
+                      <a:r>
+                        <a:rPr lang="fr-FR" sz="900" dirty="0" err="1" smtClean="0"/>
+                        <a:t>types_enclos</a:t>
+                      </a:r>
+                      <a:endParaRPr lang="fr-FR" sz="900" dirty="0"/>
+                    </a:p>
+                  </a:txBody>
+                  <a:tcPr/>
+                </a:tc>
+              </a:tr>
+              <a:tr h="433997">
+                <a:tc>
+                  <a:txBody>
+                    <a:bodyPr/>
+                    <a:lstStyle/>
+                    <a:p>
+                      <a:pPr marL="0" marR="0" lvl="0" indent="0" algn="l" defTabSz="914400" rtl="0" eaLnBrk="1" fontAlgn="auto" latinLnBrk="0" hangingPunct="1">
+                        <a:lnSpc>
+                          <a:spcPct val="100000"/>
+                        </a:lnSpc>
+                        <a:spcBef>
+                          <a:spcPts val="0"/>
+                        </a:spcBef>
+                        <a:spcAft>
+                          <a:spcPts val="0"/>
+                        </a:spcAft>
+                        <a:buClrTx/>
+                        <a:buSzTx/>
+                        <a:buFontTx/>
+                        <a:buNone/>
+                        <a:tabLst/>
+                        <a:defRPr/>
+                      </a:pPr>
+                      <a:r>
+                        <a:rPr lang="fr-FR" sz="900" dirty="0" err="1" smtClean="0"/>
+                        <a:t>id_type_enclos</a:t>
+                      </a:r>
+                      <a:r>
+                        <a:rPr lang="fr-FR" sz="900" dirty="0" smtClean="0"/>
+                        <a:t>                      </a:t>
+                      </a:r>
+                      <a:r>
+                        <a:rPr lang="fr-FR" sz="900" dirty="0" smtClean="0"/>
+                        <a:t>AUTO_INCREMENT</a:t>
+                      </a:r>
+                    </a:p>
+                    <a:p>
+                      <a:pPr marL="0" marR="0" lvl="0" indent="0" algn="l" defTabSz="914400" rtl="0" eaLnBrk="1" fontAlgn="auto" latinLnBrk="0" hangingPunct="1">
+                        <a:lnSpc>
+                          <a:spcPct val="100000"/>
+                        </a:lnSpc>
+                        <a:spcBef>
+                          <a:spcPts val="0"/>
+                        </a:spcBef>
+                        <a:spcAft>
+                          <a:spcPts val="0"/>
+                        </a:spcAft>
+                        <a:buClrTx/>
+                        <a:buSzTx/>
+                        <a:buFontTx/>
+                        <a:buNone/>
+                        <a:tabLst/>
+                        <a:defRPr/>
+                      </a:pPr>
+                      <a:endParaRPr lang="fr-FR" sz="900" dirty="0" smtClean="0"/>
+                    </a:p>
+                    <a:p>
+                      <a:r>
+                        <a:rPr lang="fr-FR" sz="900" baseline="0" dirty="0" err="1" smtClean="0"/>
+                        <a:t>designation_type_enclos</a:t>
+                      </a:r>
+                      <a:r>
+                        <a:rPr lang="fr-FR" sz="900" baseline="0" dirty="0" smtClean="0"/>
+                        <a:t>  </a:t>
+                      </a:r>
+                      <a:r>
+                        <a:rPr lang="fr-FR" sz="900" dirty="0" smtClean="0"/>
+                        <a:t> </a:t>
+                      </a:r>
+                      <a:r>
+                        <a:rPr lang="fr-FR" sz="900" baseline="0" dirty="0" smtClean="0"/>
+                        <a:t> VARCHAR(11)</a:t>
+                      </a:r>
+                    </a:p>
+                  </a:txBody>
+                  <a:tcPr/>
+                </a:tc>
+              </a:tr>
+            </a:tbl>
+          </a:graphicData>
+        </a:graphic>
+      </p:graphicFrame>
+      <p:cxnSp>
+        <p:nvCxnSpPr>
+          <p:cNvPr id="72" name="Connecteur droit avec flèche 71"/>
+          <p:cNvCxnSpPr>
+            <a:endCxn id="70" idx="0"/>
+          </p:cNvCxnSpPr>
+          <p:nvPr/>
+        </p:nvCxnSpPr>
+        <p:spPr>
+          <a:xfrm flipH="1">
+            <a:off x="1749961" y="4579385"/>
+            <a:ext cx="1" cy="843641"/>
+          </a:xfrm>
+          <a:prstGeom prst="straightConnector1">
+            <a:avLst/>
+          </a:prstGeom>
+          <a:ln>
+            <a:tailEnd type="triangle"/>
+          </a:ln>
+        </p:spPr>
+        <p:style>
+          <a:lnRef idx="1">
+            <a:schemeClr val="accent1"/>
+          </a:lnRef>
+          <a:fillRef idx="0">
+            <a:schemeClr val="accent1"/>
+          </a:fillRef>
+          <a:effectRef idx="0">
+            <a:schemeClr val="accent1"/>
+          </a:effectRef>
+          <a:fontRef idx="minor">
+            <a:schemeClr val="tx1"/>
+          </a:fontRef>
+        </p:style>
+      </p:cxnSp>
+    </p:spTree>
+    <p:extLst>
+      <p:ext uri="{BB962C8B-B14F-4D97-AF65-F5344CB8AC3E}">
+        <p14:creationId xmlns:p14="http://schemas.microsoft.com/office/powerpoint/2010/main" val="3622249705"/>
       </p:ext>
     </p:extLst>
   </p:cSld>
@@ -3939,7 +5512,7 @@
           <p:cNvPr id="2" name="Titre 1">
             <a:extLst>
               <a:ext uri="{FF2B5EF4-FFF2-40B4-BE49-F238E27FC236}">
-                <a16:creationId xmlns:a16="http://schemas.microsoft.com/office/drawing/2014/main" id="{3E9B253E-C4B0-4106-AD22-EDBE39EA4BCA}"/>
+                <a16:creationId xmlns:a16="http://schemas.microsoft.com/office/drawing/2014/main" xmlns="" id="{3E9B253E-C4B0-4106-AD22-EDBE39EA4BCA}"/>
               </a:ext>
             </a:extLst>
           </p:cNvPr>
@@ -3967,7 +5540,7 @@
           <p:cNvPr id="3" name="Sous-titre 2">
             <a:extLst>
               <a:ext uri="{FF2B5EF4-FFF2-40B4-BE49-F238E27FC236}">
-                <a16:creationId xmlns:a16="http://schemas.microsoft.com/office/drawing/2014/main" id="{7A879871-8E60-444D-9779-75A0F2A0EFBE}"/>
+                <a16:creationId xmlns:a16="http://schemas.microsoft.com/office/drawing/2014/main" xmlns="" id="{7A879871-8E60-444D-9779-75A0F2A0EFBE}"/>
               </a:ext>
             </a:extLst>
           </p:cNvPr>
@@ -4022,7 +5595,7 @@
           <p:cNvPr id="2" name="Titre 1">
             <a:extLst>
               <a:ext uri="{FF2B5EF4-FFF2-40B4-BE49-F238E27FC236}">
-                <a16:creationId xmlns:a16="http://schemas.microsoft.com/office/drawing/2014/main" id="{040CA07F-F407-4EE7-BFBD-BEE974C2CAB6}"/>
+                <a16:creationId xmlns:a16="http://schemas.microsoft.com/office/drawing/2014/main" xmlns="" id="{040CA07F-F407-4EE7-BFBD-BEE974C2CAB6}"/>
               </a:ext>
             </a:extLst>
           </p:cNvPr>
@@ -4051,7 +5624,7 @@
           <p:cNvPr id="3" name="Espace réservé du contenu 2">
             <a:extLst>
               <a:ext uri="{FF2B5EF4-FFF2-40B4-BE49-F238E27FC236}">
-                <a16:creationId xmlns:a16="http://schemas.microsoft.com/office/drawing/2014/main" id="{72304BB8-50AC-434E-9BE4-51E6EBA405B2}"/>
+                <a16:creationId xmlns:a16="http://schemas.microsoft.com/office/drawing/2014/main" xmlns="" id="{72304BB8-50AC-434E-9BE4-51E6EBA405B2}"/>
               </a:ext>
             </a:extLst>
           </p:cNvPr>
@@ -4168,7 +5741,7 @@
           <p:cNvPr id="2" name="Titre 1">
             <a:extLst>
               <a:ext uri="{FF2B5EF4-FFF2-40B4-BE49-F238E27FC236}">
-                <a16:creationId xmlns:a16="http://schemas.microsoft.com/office/drawing/2014/main" id="{040CA07F-F407-4EE7-BFBD-BEE974C2CAB6}"/>
+                <a16:creationId xmlns:a16="http://schemas.microsoft.com/office/drawing/2014/main" xmlns="" id="{040CA07F-F407-4EE7-BFBD-BEE974C2CAB6}"/>
               </a:ext>
             </a:extLst>
           </p:cNvPr>
@@ -4197,7 +5770,7 @@
           <p:cNvPr id="6" name="ZoneTexte 5">
             <a:extLst>
               <a:ext uri="{FF2B5EF4-FFF2-40B4-BE49-F238E27FC236}">
-                <a16:creationId xmlns:a16="http://schemas.microsoft.com/office/drawing/2014/main" id="{DF7DEEB8-5F74-4C25-93CF-FF9FD8F9530D}"/>
+                <a16:creationId xmlns:a16="http://schemas.microsoft.com/office/drawing/2014/main" xmlns="" id="{DF7DEEB8-5F74-4C25-93CF-FF9FD8F9530D}"/>
               </a:ext>
             </a:extLst>
           </p:cNvPr>
@@ -4259,7 +5832,7 @@
           <p:cNvPr id="7" name="ZoneTexte 6">
             <a:extLst>
               <a:ext uri="{FF2B5EF4-FFF2-40B4-BE49-F238E27FC236}">
-                <a16:creationId xmlns:a16="http://schemas.microsoft.com/office/drawing/2014/main" id="{2404B173-E6AB-4BB5-B965-A48005CC3832}"/>
+                <a16:creationId xmlns:a16="http://schemas.microsoft.com/office/drawing/2014/main" xmlns="" id="{2404B173-E6AB-4BB5-B965-A48005CC3832}"/>
               </a:ext>
             </a:extLst>
           </p:cNvPr>
@@ -4309,7 +5882,7 @@
           <p:cNvPr id="8" name="Tableau 7">
             <a:extLst>
               <a:ext uri="{FF2B5EF4-FFF2-40B4-BE49-F238E27FC236}">
-                <a16:creationId xmlns:a16="http://schemas.microsoft.com/office/drawing/2014/main" id="{ADEA60A6-691B-4318-AFAB-2BFA516A5483}"/>
+                <a16:creationId xmlns:a16="http://schemas.microsoft.com/office/drawing/2014/main" xmlns="" id="{ADEA60A6-691B-4318-AFAB-2BFA516A5483}"/>
               </a:ext>
             </a:extLst>
           </p:cNvPr>
@@ -4338,42 +5911,42 @@
                 <a:gridCol w="983129">
                   <a:extLst>
                     <a:ext uri="{9D8B030D-6E8A-4147-A177-3AD203B41FA5}">
-                      <a16:colId xmlns:a16="http://schemas.microsoft.com/office/drawing/2014/main" val="2743048483"/>
+                      <a16:colId xmlns:a16="http://schemas.microsoft.com/office/drawing/2014/main" xmlns="" val="2743048483"/>
                     </a:ext>
                   </a:extLst>
                 </a:gridCol>
                 <a:gridCol w="1114612">
                   <a:extLst>
                     <a:ext uri="{9D8B030D-6E8A-4147-A177-3AD203B41FA5}">
-                      <a16:colId xmlns:a16="http://schemas.microsoft.com/office/drawing/2014/main" val="2546697190"/>
+                      <a16:colId xmlns:a16="http://schemas.microsoft.com/office/drawing/2014/main" xmlns="" val="2546697190"/>
                     </a:ext>
                   </a:extLst>
                 </a:gridCol>
                 <a:gridCol w="1694329">
                   <a:extLst>
                     <a:ext uri="{9D8B030D-6E8A-4147-A177-3AD203B41FA5}">
-                      <a16:colId xmlns:a16="http://schemas.microsoft.com/office/drawing/2014/main" val="362885102"/>
+                      <a16:colId xmlns:a16="http://schemas.microsoft.com/office/drawing/2014/main" xmlns="" val="362885102"/>
                     </a:ext>
                   </a:extLst>
                 </a:gridCol>
                 <a:gridCol w="502024">
                   <a:extLst>
                     <a:ext uri="{9D8B030D-6E8A-4147-A177-3AD203B41FA5}">
-                      <a16:colId xmlns:a16="http://schemas.microsoft.com/office/drawing/2014/main" val="2717879308"/>
+                      <a16:colId xmlns:a16="http://schemas.microsoft.com/office/drawing/2014/main" xmlns="" val="2717879308"/>
                     </a:ext>
                   </a:extLst>
                 </a:gridCol>
                 <a:gridCol w="621551">
                   <a:extLst>
                     <a:ext uri="{9D8B030D-6E8A-4147-A177-3AD203B41FA5}">
-                      <a16:colId xmlns:a16="http://schemas.microsoft.com/office/drawing/2014/main" val="2650699572"/>
+                      <a16:colId xmlns:a16="http://schemas.microsoft.com/office/drawing/2014/main" xmlns="" val="2650699572"/>
                     </a:ext>
                   </a:extLst>
                 </a:gridCol>
                 <a:gridCol w="983129">
                   <a:extLst>
                     <a:ext uri="{9D8B030D-6E8A-4147-A177-3AD203B41FA5}">
-                      <a16:colId xmlns:a16="http://schemas.microsoft.com/office/drawing/2014/main" val="3716180538"/>
+                      <a16:colId xmlns:a16="http://schemas.microsoft.com/office/drawing/2014/main" xmlns="" val="3716180538"/>
                     </a:ext>
                   </a:extLst>
                 </a:gridCol>
@@ -4465,7 +6038,7 @@
                 </a:tc>
                 <a:extLst>
                   <a:ext uri="{0D108BD9-81ED-4DB2-BD59-A6C34878D82A}">
-                    <a16:rowId xmlns:a16="http://schemas.microsoft.com/office/drawing/2014/main" val="1062177104"/>
+                    <a16:rowId xmlns:a16="http://schemas.microsoft.com/office/drawing/2014/main" xmlns="" val="1062177104"/>
                   </a:ext>
                 </a:extLst>
               </a:tr>
@@ -4558,7 +6131,7 @@
                 </a:tc>
                 <a:extLst>
                   <a:ext uri="{0D108BD9-81ED-4DB2-BD59-A6C34878D82A}">
-                    <a16:rowId xmlns:a16="http://schemas.microsoft.com/office/drawing/2014/main" val="1672992677"/>
+                    <a16:rowId xmlns:a16="http://schemas.microsoft.com/office/drawing/2014/main" xmlns="" val="1672992677"/>
                   </a:ext>
                 </a:extLst>
               </a:tr>
@@ -4644,7 +6217,7 @@
                 </a:tc>
                 <a:extLst>
                   <a:ext uri="{0D108BD9-81ED-4DB2-BD59-A6C34878D82A}">
-                    <a16:rowId xmlns:a16="http://schemas.microsoft.com/office/drawing/2014/main" val="2841063837"/>
+                    <a16:rowId xmlns:a16="http://schemas.microsoft.com/office/drawing/2014/main" xmlns="" val="2841063837"/>
                   </a:ext>
                 </a:extLst>
               </a:tr>
@@ -4730,7 +6303,7 @@
                 </a:tc>
                 <a:extLst>
                   <a:ext uri="{0D108BD9-81ED-4DB2-BD59-A6C34878D82A}">
-                    <a16:rowId xmlns:a16="http://schemas.microsoft.com/office/drawing/2014/main" val="2545457137"/>
+                    <a16:rowId xmlns:a16="http://schemas.microsoft.com/office/drawing/2014/main" xmlns="" val="2545457137"/>
                   </a:ext>
                 </a:extLst>
               </a:tr>
@@ -4816,7 +6389,7 @@
                 </a:tc>
                 <a:extLst>
                   <a:ext uri="{0D108BD9-81ED-4DB2-BD59-A6C34878D82A}">
-                    <a16:rowId xmlns:a16="http://schemas.microsoft.com/office/drawing/2014/main" val="2362779865"/>
+                    <a16:rowId xmlns:a16="http://schemas.microsoft.com/office/drawing/2014/main" xmlns="" val="2362779865"/>
                   </a:ext>
                 </a:extLst>
               </a:tr>
@@ -4909,7 +6482,7 @@
                 </a:tc>
                 <a:extLst>
                   <a:ext uri="{0D108BD9-81ED-4DB2-BD59-A6C34878D82A}">
-                    <a16:rowId xmlns:a16="http://schemas.microsoft.com/office/drawing/2014/main" val="109776121"/>
+                    <a16:rowId xmlns:a16="http://schemas.microsoft.com/office/drawing/2014/main" xmlns="" val="109776121"/>
                   </a:ext>
                 </a:extLst>
               </a:tr>
@@ -4995,7 +6568,7 @@
                 </a:tc>
                 <a:extLst>
                   <a:ext uri="{0D108BD9-81ED-4DB2-BD59-A6C34878D82A}">
-                    <a16:rowId xmlns:a16="http://schemas.microsoft.com/office/drawing/2014/main" val="2782457586"/>
+                    <a16:rowId xmlns:a16="http://schemas.microsoft.com/office/drawing/2014/main" xmlns="" val="2782457586"/>
                   </a:ext>
                 </a:extLst>
               </a:tr>
@@ -5081,7 +6654,7 @@
                 </a:tc>
                 <a:extLst>
                   <a:ext uri="{0D108BD9-81ED-4DB2-BD59-A6C34878D82A}">
-                    <a16:rowId xmlns:a16="http://schemas.microsoft.com/office/drawing/2014/main" val="2850905767"/>
+                    <a16:rowId xmlns:a16="http://schemas.microsoft.com/office/drawing/2014/main" xmlns="" val="2850905767"/>
                   </a:ext>
                 </a:extLst>
               </a:tr>
@@ -5167,7 +6740,7 @@
                 </a:tc>
                 <a:extLst>
                   <a:ext uri="{0D108BD9-81ED-4DB2-BD59-A6C34878D82A}">
-                    <a16:rowId xmlns:a16="http://schemas.microsoft.com/office/drawing/2014/main" val="1423363650"/>
+                    <a16:rowId xmlns:a16="http://schemas.microsoft.com/office/drawing/2014/main" xmlns="" val="1423363650"/>
                   </a:ext>
                 </a:extLst>
               </a:tr>
@@ -5180,7 +6753,7 @@
           <p:cNvPr id="9" name="ZoneTexte 8">
             <a:extLst>
               <a:ext uri="{FF2B5EF4-FFF2-40B4-BE49-F238E27FC236}">
-                <a16:creationId xmlns:a16="http://schemas.microsoft.com/office/drawing/2014/main" id="{5BE5D7A7-B76E-413A-86A2-83E1B12A6334}"/>
+                <a16:creationId xmlns:a16="http://schemas.microsoft.com/office/drawing/2014/main" xmlns="" id="{5BE5D7A7-B76E-413A-86A2-83E1B12A6334}"/>
               </a:ext>
             </a:extLst>
           </p:cNvPr>
@@ -5215,7 +6788,7 @@
           <p:cNvPr id="10" name="ZoneTexte 9">
             <a:extLst>
               <a:ext uri="{FF2B5EF4-FFF2-40B4-BE49-F238E27FC236}">
-                <a16:creationId xmlns:a16="http://schemas.microsoft.com/office/drawing/2014/main" id="{68D53E5C-4AD7-4919-A932-DC9F2238AA6C}"/>
+                <a16:creationId xmlns:a16="http://schemas.microsoft.com/office/drawing/2014/main" xmlns="" id="{68D53E5C-4AD7-4919-A932-DC9F2238AA6C}"/>
               </a:ext>
             </a:extLst>
           </p:cNvPr>
@@ -5318,7 +6891,7 @@
           <p:cNvPr id="12" name="Image 11">
             <a:extLst>
               <a:ext uri="{FF2B5EF4-FFF2-40B4-BE49-F238E27FC236}">
-                <a16:creationId xmlns:a16="http://schemas.microsoft.com/office/drawing/2014/main" id="{0F81037E-7486-4A40-A881-04474CA9EF2B}"/>
+                <a16:creationId xmlns:a16="http://schemas.microsoft.com/office/drawing/2014/main" xmlns="" id="{0F81037E-7486-4A40-A881-04474CA9EF2B}"/>
               </a:ext>
             </a:extLst>
           </p:cNvPr>
@@ -5348,7 +6921,7 @@
           <p:cNvPr id="13" name="ZoneTexte 12">
             <a:extLst>
               <a:ext uri="{FF2B5EF4-FFF2-40B4-BE49-F238E27FC236}">
-                <a16:creationId xmlns:a16="http://schemas.microsoft.com/office/drawing/2014/main" id="{8EAD58D7-10BE-4CE3-ACC5-53A3D8DD25CA}"/>
+                <a16:creationId xmlns:a16="http://schemas.microsoft.com/office/drawing/2014/main" xmlns="" id="{8EAD58D7-10BE-4CE3-ACC5-53A3D8DD25CA}"/>
               </a:ext>
             </a:extLst>
           </p:cNvPr>
@@ -5384,7 +6957,7 @@
           <p:cNvPr id="14" name="ZoneTexte 13">
             <a:extLst>
               <a:ext uri="{FF2B5EF4-FFF2-40B4-BE49-F238E27FC236}">
-                <a16:creationId xmlns:a16="http://schemas.microsoft.com/office/drawing/2014/main" id="{46D4B0A6-B1A3-4BFE-8E34-DE445DDAD43D}"/>
+                <a16:creationId xmlns:a16="http://schemas.microsoft.com/office/drawing/2014/main" xmlns="" id="{46D4B0A6-B1A3-4BFE-8E34-DE445DDAD43D}"/>
               </a:ext>
             </a:extLst>
           </p:cNvPr>
@@ -5477,7 +7050,7 @@
           <p:cNvPr id="2" name="Titre 1">
             <a:extLst>
               <a:ext uri="{FF2B5EF4-FFF2-40B4-BE49-F238E27FC236}">
-                <a16:creationId xmlns:a16="http://schemas.microsoft.com/office/drawing/2014/main" id="{3E9B253E-C4B0-4106-AD22-EDBE39EA4BCA}"/>
+                <a16:creationId xmlns:a16="http://schemas.microsoft.com/office/drawing/2014/main" xmlns="" id="{3E9B253E-C4B0-4106-AD22-EDBE39EA4BCA}"/>
               </a:ext>
             </a:extLst>
           </p:cNvPr>
@@ -5505,7 +7078,7 @@
           <p:cNvPr id="3" name="Sous-titre 2">
             <a:extLst>
               <a:ext uri="{FF2B5EF4-FFF2-40B4-BE49-F238E27FC236}">
-                <a16:creationId xmlns:a16="http://schemas.microsoft.com/office/drawing/2014/main" id="{7A879871-8E60-444D-9779-75A0F2A0EFBE}"/>
+                <a16:creationId xmlns:a16="http://schemas.microsoft.com/office/drawing/2014/main" xmlns="" id="{7A879871-8E60-444D-9779-75A0F2A0EFBE}"/>
               </a:ext>
             </a:extLst>
           </p:cNvPr>
@@ -5560,7 +7133,7 @@
           <p:cNvPr id="2" name="Titre 1">
             <a:extLst>
               <a:ext uri="{FF2B5EF4-FFF2-40B4-BE49-F238E27FC236}">
-                <a16:creationId xmlns:a16="http://schemas.microsoft.com/office/drawing/2014/main" id="{040CA07F-F407-4EE7-BFBD-BEE974C2CAB6}"/>
+                <a16:creationId xmlns:a16="http://schemas.microsoft.com/office/drawing/2014/main" xmlns="" id="{040CA07F-F407-4EE7-BFBD-BEE974C2CAB6}"/>
               </a:ext>
             </a:extLst>
           </p:cNvPr>
@@ -5589,7 +7162,7 @@
           <p:cNvPr id="6" name="ZoneTexte 5">
             <a:extLst>
               <a:ext uri="{FF2B5EF4-FFF2-40B4-BE49-F238E27FC236}">
-                <a16:creationId xmlns:a16="http://schemas.microsoft.com/office/drawing/2014/main" id="{DF7DEEB8-5F74-4C25-93CF-FF9FD8F9530D}"/>
+                <a16:creationId xmlns:a16="http://schemas.microsoft.com/office/drawing/2014/main" xmlns="" id="{DF7DEEB8-5F74-4C25-93CF-FF9FD8F9530D}"/>
               </a:ext>
             </a:extLst>
           </p:cNvPr>
@@ -5683,7 +7256,7 @@
           <p:cNvPr id="7" name="ZoneTexte 6">
             <a:extLst>
               <a:ext uri="{FF2B5EF4-FFF2-40B4-BE49-F238E27FC236}">
-                <a16:creationId xmlns:a16="http://schemas.microsoft.com/office/drawing/2014/main" id="{2404B173-E6AB-4BB5-B965-A48005CC3832}"/>
+                <a16:creationId xmlns:a16="http://schemas.microsoft.com/office/drawing/2014/main" xmlns="" id="{2404B173-E6AB-4BB5-B965-A48005CC3832}"/>
               </a:ext>
             </a:extLst>
           </p:cNvPr>
@@ -5777,7 +7350,7 @@
           <p:cNvPr id="8" name="Tableau 7">
             <a:extLst>
               <a:ext uri="{FF2B5EF4-FFF2-40B4-BE49-F238E27FC236}">
-                <a16:creationId xmlns:a16="http://schemas.microsoft.com/office/drawing/2014/main" id="{ADEA60A6-691B-4318-AFAB-2BFA516A5483}"/>
+                <a16:creationId xmlns:a16="http://schemas.microsoft.com/office/drawing/2014/main" xmlns="" id="{ADEA60A6-691B-4318-AFAB-2BFA516A5483}"/>
               </a:ext>
             </a:extLst>
           </p:cNvPr>
@@ -5806,42 +7379,42 @@
                 <a:gridCol w="882572">
                   <a:extLst>
                     <a:ext uri="{9D8B030D-6E8A-4147-A177-3AD203B41FA5}">
-                      <a16:colId xmlns:a16="http://schemas.microsoft.com/office/drawing/2014/main" val="2743048483"/>
+                      <a16:colId xmlns:a16="http://schemas.microsoft.com/office/drawing/2014/main" xmlns="" val="2743048483"/>
                     </a:ext>
                   </a:extLst>
                 </a:gridCol>
                 <a:gridCol w="1498907">
                   <a:extLst>
                     <a:ext uri="{9D8B030D-6E8A-4147-A177-3AD203B41FA5}">
-                      <a16:colId xmlns:a16="http://schemas.microsoft.com/office/drawing/2014/main" val="2546697190"/>
+                      <a16:colId xmlns:a16="http://schemas.microsoft.com/office/drawing/2014/main" xmlns="" val="2546697190"/>
                     </a:ext>
                   </a:extLst>
                 </a:gridCol>
                 <a:gridCol w="1923503">
                   <a:extLst>
                     <a:ext uri="{9D8B030D-6E8A-4147-A177-3AD203B41FA5}">
-                      <a16:colId xmlns:a16="http://schemas.microsoft.com/office/drawing/2014/main" val="362885102"/>
+                      <a16:colId xmlns:a16="http://schemas.microsoft.com/office/drawing/2014/main" xmlns="" val="362885102"/>
                     </a:ext>
                   </a:extLst>
                 </a:gridCol>
                 <a:gridCol w="569927">
                   <a:extLst>
                     <a:ext uri="{9D8B030D-6E8A-4147-A177-3AD203B41FA5}">
-                      <a16:colId xmlns:a16="http://schemas.microsoft.com/office/drawing/2014/main" val="2717879308"/>
+                      <a16:colId xmlns:a16="http://schemas.microsoft.com/office/drawing/2014/main" xmlns="" val="2717879308"/>
                     </a:ext>
                   </a:extLst>
                 </a:gridCol>
                 <a:gridCol w="705621">
                   <a:extLst>
                     <a:ext uri="{9D8B030D-6E8A-4147-A177-3AD203B41FA5}">
-                      <a16:colId xmlns:a16="http://schemas.microsoft.com/office/drawing/2014/main" val="2650699572"/>
+                      <a16:colId xmlns:a16="http://schemas.microsoft.com/office/drawing/2014/main" xmlns="" val="2650699572"/>
                     </a:ext>
                   </a:extLst>
                 </a:gridCol>
                 <a:gridCol w="1116107">
                   <a:extLst>
                     <a:ext uri="{9D8B030D-6E8A-4147-A177-3AD203B41FA5}">
-                      <a16:colId xmlns:a16="http://schemas.microsoft.com/office/drawing/2014/main" val="3716180538"/>
+                      <a16:colId xmlns:a16="http://schemas.microsoft.com/office/drawing/2014/main" xmlns="" val="3716180538"/>
                     </a:ext>
                   </a:extLst>
                 </a:gridCol>
@@ -5933,7 +7506,7 @@
                 </a:tc>
                 <a:extLst>
                   <a:ext uri="{0D108BD9-81ED-4DB2-BD59-A6C34878D82A}">
-                    <a16:rowId xmlns:a16="http://schemas.microsoft.com/office/drawing/2014/main" val="1062177104"/>
+                    <a16:rowId xmlns:a16="http://schemas.microsoft.com/office/drawing/2014/main" xmlns="" val="1062177104"/>
                   </a:ext>
                 </a:extLst>
               </a:tr>
@@ -6027,7 +7600,7 @@
                 </a:tc>
                 <a:extLst>
                   <a:ext uri="{0D108BD9-81ED-4DB2-BD59-A6C34878D82A}">
-                    <a16:rowId xmlns:a16="http://schemas.microsoft.com/office/drawing/2014/main" val="1672992677"/>
+                    <a16:rowId xmlns:a16="http://schemas.microsoft.com/office/drawing/2014/main" xmlns="" val="1672992677"/>
                   </a:ext>
                 </a:extLst>
               </a:tr>
@@ -6113,7 +7686,7 @@
                 </a:tc>
                 <a:extLst>
                   <a:ext uri="{0D108BD9-81ED-4DB2-BD59-A6C34878D82A}">
-                    <a16:rowId xmlns:a16="http://schemas.microsoft.com/office/drawing/2014/main" val="2841063837"/>
+                    <a16:rowId xmlns:a16="http://schemas.microsoft.com/office/drawing/2014/main" xmlns="" val="2841063837"/>
                   </a:ext>
                 </a:extLst>
               </a:tr>
@@ -6199,7 +7772,7 @@
                 </a:tc>
                 <a:extLst>
                   <a:ext uri="{0D108BD9-81ED-4DB2-BD59-A6C34878D82A}">
-                    <a16:rowId xmlns:a16="http://schemas.microsoft.com/office/drawing/2014/main" val="2545457137"/>
+                    <a16:rowId xmlns:a16="http://schemas.microsoft.com/office/drawing/2014/main" xmlns="" val="2545457137"/>
                   </a:ext>
                 </a:extLst>
               </a:tr>
@@ -6308,7 +7881,7 @@
                 </a:tc>
                 <a:extLst>
                   <a:ext uri="{0D108BD9-81ED-4DB2-BD59-A6C34878D82A}">
-                    <a16:rowId xmlns:a16="http://schemas.microsoft.com/office/drawing/2014/main" val="2362779865"/>
+                    <a16:rowId xmlns:a16="http://schemas.microsoft.com/office/drawing/2014/main" xmlns="" val="2362779865"/>
                   </a:ext>
                 </a:extLst>
               </a:tr>
@@ -6394,7 +7967,7 @@
                 </a:tc>
                 <a:extLst>
                   <a:ext uri="{0D108BD9-81ED-4DB2-BD59-A6C34878D82A}">
-                    <a16:rowId xmlns:a16="http://schemas.microsoft.com/office/drawing/2014/main" val="109776121"/>
+                    <a16:rowId xmlns:a16="http://schemas.microsoft.com/office/drawing/2014/main" xmlns="" val="109776121"/>
                   </a:ext>
                 </a:extLst>
               </a:tr>
@@ -6480,7 +8053,7 @@
                 </a:tc>
                 <a:extLst>
                   <a:ext uri="{0D108BD9-81ED-4DB2-BD59-A6C34878D82A}">
-                    <a16:rowId xmlns:a16="http://schemas.microsoft.com/office/drawing/2014/main" val="2782457586"/>
+                    <a16:rowId xmlns:a16="http://schemas.microsoft.com/office/drawing/2014/main" xmlns="" val="2782457586"/>
                   </a:ext>
                 </a:extLst>
               </a:tr>
@@ -6589,7 +8162,7 @@
                 </a:tc>
                 <a:extLst>
                   <a:ext uri="{0D108BD9-81ED-4DB2-BD59-A6C34878D82A}">
-                    <a16:rowId xmlns:a16="http://schemas.microsoft.com/office/drawing/2014/main" val="2850905767"/>
+                    <a16:rowId xmlns:a16="http://schemas.microsoft.com/office/drawing/2014/main" xmlns="" val="2850905767"/>
                   </a:ext>
                 </a:extLst>
               </a:tr>
@@ -6675,7 +8248,7 @@
                 </a:tc>
                 <a:extLst>
                   <a:ext uri="{0D108BD9-81ED-4DB2-BD59-A6C34878D82A}">
-                    <a16:rowId xmlns:a16="http://schemas.microsoft.com/office/drawing/2014/main" val="1423363650"/>
+                    <a16:rowId xmlns:a16="http://schemas.microsoft.com/office/drawing/2014/main" xmlns="" val="1423363650"/>
                   </a:ext>
                 </a:extLst>
               </a:tr>
@@ -6785,7 +8358,7 @@
                 </a:tc>
                 <a:extLst>
                   <a:ext uri="{0D108BD9-81ED-4DB2-BD59-A6C34878D82A}">
-                    <a16:rowId xmlns:a16="http://schemas.microsoft.com/office/drawing/2014/main" val="552507488"/>
+                    <a16:rowId xmlns:a16="http://schemas.microsoft.com/office/drawing/2014/main" xmlns="" val="552507488"/>
                   </a:ext>
                 </a:extLst>
               </a:tr>
@@ -6871,7 +8444,7 @@
                 </a:tc>
                 <a:extLst>
                   <a:ext uri="{0D108BD9-81ED-4DB2-BD59-A6C34878D82A}">
-                    <a16:rowId xmlns:a16="http://schemas.microsoft.com/office/drawing/2014/main" val="2565643011"/>
+                    <a16:rowId xmlns:a16="http://schemas.microsoft.com/office/drawing/2014/main" xmlns="" val="2565643011"/>
                   </a:ext>
                 </a:extLst>
               </a:tr>
@@ -6957,7 +8530,7 @@
                 </a:tc>
                 <a:extLst>
                   <a:ext uri="{0D108BD9-81ED-4DB2-BD59-A6C34878D82A}">
-                    <a16:rowId xmlns:a16="http://schemas.microsoft.com/office/drawing/2014/main" val="990519418"/>
+                    <a16:rowId xmlns:a16="http://schemas.microsoft.com/office/drawing/2014/main" xmlns="" val="990519418"/>
                   </a:ext>
                 </a:extLst>
               </a:tr>
@@ -7066,7 +8639,7 @@
                 </a:tc>
                 <a:extLst>
                   <a:ext uri="{0D108BD9-81ED-4DB2-BD59-A6C34878D82A}">
-                    <a16:rowId xmlns:a16="http://schemas.microsoft.com/office/drawing/2014/main" val="2563814046"/>
+                    <a16:rowId xmlns:a16="http://schemas.microsoft.com/office/drawing/2014/main" xmlns="" val="2563814046"/>
                   </a:ext>
                 </a:extLst>
               </a:tr>
@@ -7152,7 +8725,7 @@
                 </a:tc>
                 <a:extLst>
                   <a:ext uri="{0D108BD9-81ED-4DB2-BD59-A6C34878D82A}">
-                    <a16:rowId xmlns:a16="http://schemas.microsoft.com/office/drawing/2014/main" val="2351472526"/>
+                    <a16:rowId xmlns:a16="http://schemas.microsoft.com/office/drawing/2014/main" xmlns="" val="2351472526"/>
                   </a:ext>
                 </a:extLst>
               </a:tr>
@@ -7238,7 +8811,7 @@
                 </a:tc>
                 <a:extLst>
                   <a:ext uri="{0D108BD9-81ED-4DB2-BD59-A6C34878D82A}">
-                    <a16:rowId xmlns:a16="http://schemas.microsoft.com/office/drawing/2014/main" val="3776558265"/>
+                    <a16:rowId xmlns:a16="http://schemas.microsoft.com/office/drawing/2014/main" xmlns="" val="3776558265"/>
                   </a:ext>
                 </a:extLst>
               </a:tr>
@@ -7324,7 +8897,7 @@
                 </a:tc>
                 <a:extLst>
                   <a:ext uri="{0D108BD9-81ED-4DB2-BD59-A6C34878D82A}">
-                    <a16:rowId xmlns:a16="http://schemas.microsoft.com/office/drawing/2014/main" val="821750505"/>
+                    <a16:rowId xmlns:a16="http://schemas.microsoft.com/office/drawing/2014/main" xmlns="" val="821750505"/>
                   </a:ext>
                 </a:extLst>
               </a:tr>
@@ -7337,7 +8910,7 @@
           <p:cNvPr id="9" name="ZoneTexte 8">
             <a:extLst>
               <a:ext uri="{FF2B5EF4-FFF2-40B4-BE49-F238E27FC236}">
-                <a16:creationId xmlns:a16="http://schemas.microsoft.com/office/drawing/2014/main" id="{5BE5D7A7-B76E-413A-86A2-83E1B12A6334}"/>
+                <a16:creationId xmlns:a16="http://schemas.microsoft.com/office/drawing/2014/main" xmlns="" id="{5BE5D7A7-B76E-413A-86A2-83E1B12A6334}"/>
               </a:ext>
             </a:extLst>
           </p:cNvPr>
@@ -7372,7 +8945,7 @@
           <p:cNvPr id="10" name="ZoneTexte 9">
             <a:extLst>
               <a:ext uri="{FF2B5EF4-FFF2-40B4-BE49-F238E27FC236}">
-                <a16:creationId xmlns:a16="http://schemas.microsoft.com/office/drawing/2014/main" id="{68D53E5C-4AD7-4919-A932-DC9F2238AA6C}"/>
+                <a16:creationId xmlns:a16="http://schemas.microsoft.com/office/drawing/2014/main" xmlns="" id="{68D53E5C-4AD7-4919-A932-DC9F2238AA6C}"/>
               </a:ext>
             </a:extLst>
           </p:cNvPr>
@@ -7583,7 +9156,7 @@
           <p:cNvPr id="2" name="Titre 1">
             <a:extLst>
               <a:ext uri="{FF2B5EF4-FFF2-40B4-BE49-F238E27FC236}">
-                <a16:creationId xmlns:a16="http://schemas.microsoft.com/office/drawing/2014/main" id="{040CA07F-F407-4EE7-BFBD-BEE974C2CAB6}"/>
+                <a16:creationId xmlns:a16="http://schemas.microsoft.com/office/drawing/2014/main" xmlns="" id="{040CA07F-F407-4EE7-BFBD-BEE974C2CAB6}"/>
               </a:ext>
             </a:extLst>
           </p:cNvPr>
@@ -7612,7 +9185,7 @@
           <p:cNvPr id="4" name="Image 3">
             <a:extLst>
               <a:ext uri="{FF2B5EF4-FFF2-40B4-BE49-F238E27FC236}">
-                <a16:creationId xmlns:a16="http://schemas.microsoft.com/office/drawing/2014/main" id="{9BD0A0D5-34C6-4A14-B2AF-A83617B5EB3F}"/>
+                <a16:creationId xmlns:a16="http://schemas.microsoft.com/office/drawing/2014/main" xmlns="" id="{9BD0A0D5-34C6-4A14-B2AF-A83617B5EB3F}"/>
               </a:ext>
             </a:extLst>
           </p:cNvPr>
@@ -7642,7 +9215,7 @@
           <p:cNvPr id="12" name="ZoneTexte 11">
             <a:extLst>
               <a:ext uri="{FF2B5EF4-FFF2-40B4-BE49-F238E27FC236}">
-                <a16:creationId xmlns:a16="http://schemas.microsoft.com/office/drawing/2014/main" id="{A707C359-4085-4764-8266-632E7BA70B73}"/>
+                <a16:creationId xmlns:a16="http://schemas.microsoft.com/office/drawing/2014/main" xmlns="" id="{A707C359-4085-4764-8266-632E7BA70B73}"/>
               </a:ext>
             </a:extLst>
           </p:cNvPr>
@@ -7708,7 +9281,7 @@
           <p:cNvPr id="2" name="Titre 1">
             <a:extLst>
               <a:ext uri="{FF2B5EF4-FFF2-40B4-BE49-F238E27FC236}">
-                <a16:creationId xmlns:a16="http://schemas.microsoft.com/office/drawing/2014/main" id="{3E9B253E-C4B0-4106-AD22-EDBE39EA4BCA}"/>
+                <a16:creationId xmlns:a16="http://schemas.microsoft.com/office/drawing/2014/main" xmlns="" id="{3E9B253E-C4B0-4106-AD22-EDBE39EA4BCA}"/>
               </a:ext>
             </a:extLst>
           </p:cNvPr>
@@ -7736,7 +9309,7 @@
           <p:cNvPr id="3" name="Sous-titre 2">
             <a:extLst>
               <a:ext uri="{FF2B5EF4-FFF2-40B4-BE49-F238E27FC236}">
-                <a16:creationId xmlns:a16="http://schemas.microsoft.com/office/drawing/2014/main" id="{7A879871-8E60-444D-9779-75A0F2A0EFBE}"/>
+                <a16:creationId xmlns:a16="http://schemas.microsoft.com/office/drawing/2014/main" xmlns="" id="{7A879871-8E60-444D-9779-75A0F2A0EFBE}"/>
               </a:ext>
             </a:extLst>
           </p:cNvPr>
@@ -7791,7 +9364,7 @@
           <p:cNvPr id="2" name="Titre 1">
             <a:extLst>
               <a:ext uri="{FF2B5EF4-FFF2-40B4-BE49-F238E27FC236}">
-                <a16:creationId xmlns:a16="http://schemas.microsoft.com/office/drawing/2014/main" id="{040CA07F-F407-4EE7-BFBD-BEE974C2CAB6}"/>
+                <a16:creationId xmlns:a16="http://schemas.microsoft.com/office/drawing/2014/main" xmlns="" id="{040CA07F-F407-4EE7-BFBD-BEE974C2CAB6}"/>
               </a:ext>
             </a:extLst>
           </p:cNvPr>
@@ -7825,7 +9398,7 @@
           <p:cNvPr id="6" name="ZoneTexte 5">
             <a:extLst>
               <a:ext uri="{FF2B5EF4-FFF2-40B4-BE49-F238E27FC236}">
-                <a16:creationId xmlns:a16="http://schemas.microsoft.com/office/drawing/2014/main" id="{DF7DEEB8-5F74-4C25-93CF-FF9FD8F9530D}"/>
+                <a16:creationId xmlns:a16="http://schemas.microsoft.com/office/drawing/2014/main" xmlns="" id="{DF7DEEB8-5F74-4C25-93CF-FF9FD8F9530D}"/>
               </a:ext>
             </a:extLst>
           </p:cNvPr>
@@ -7939,7 +9512,7 @@
           <p:cNvPr id="8" name="Tableau 7">
             <a:extLst>
               <a:ext uri="{FF2B5EF4-FFF2-40B4-BE49-F238E27FC236}">
-                <a16:creationId xmlns:a16="http://schemas.microsoft.com/office/drawing/2014/main" id="{ADEA60A6-691B-4318-AFAB-2BFA516A5483}"/>
+                <a16:creationId xmlns:a16="http://schemas.microsoft.com/office/drawing/2014/main" xmlns="" id="{ADEA60A6-691B-4318-AFAB-2BFA516A5483}"/>
               </a:ext>
             </a:extLst>
           </p:cNvPr>
@@ -7968,42 +9541,42 @@
                 <a:gridCol w="907856">
                   <a:extLst>
                     <a:ext uri="{9D8B030D-6E8A-4147-A177-3AD203B41FA5}">
-                      <a16:colId xmlns:a16="http://schemas.microsoft.com/office/drawing/2014/main" val="2743048483"/>
+                      <a16:colId xmlns:a16="http://schemas.microsoft.com/office/drawing/2014/main" xmlns="" val="2743048483"/>
                     </a:ext>
                   </a:extLst>
                 </a:gridCol>
                 <a:gridCol w="1541849">
                   <a:extLst>
                     <a:ext uri="{9D8B030D-6E8A-4147-A177-3AD203B41FA5}">
-                      <a16:colId xmlns:a16="http://schemas.microsoft.com/office/drawing/2014/main" val="2546697190"/>
+                      <a16:colId xmlns:a16="http://schemas.microsoft.com/office/drawing/2014/main" xmlns="" val="2546697190"/>
                     </a:ext>
                   </a:extLst>
                 </a:gridCol>
                 <a:gridCol w="1978606">
                   <a:extLst>
                     <a:ext uri="{9D8B030D-6E8A-4147-A177-3AD203B41FA5}">
-                      <a16:colId xmlns:a16="http://schemas.microsoft.com/office/drawing/2014/main" val="362885102"/>
+                      <a16:colId xmlns:a16="http://schemas.microsoft.com/office/drawing/2014/main" xmlns="" val="362885102"/>
                     </a:ext>
                   </a:extLst>
                 </a:gridCol>
                 <a:gridCol w="586255">
                   <a:extLst>
                     <a:ext uri="{9D8B030D-6E8A-4147-A177-3AD203B41FA5}">
-                      <a16:colId xmlns:a16="http://schemas.microsoft.com/office/drawing/2014/main" val="2717879308"/>
+                      <a16:colId xmlns:a16="http://schemas.microsoft.com/office/drawing/2014/main" xmlns="" val="2717879308"/>
                     </a:ext>
                   </a:extLst>
                 </a:gridCol>
                 <a:gridCol w="725837">
                   <a:extLst>
                     <a:ext uri="{9D8B030D-6E8A-4147-A177-3AD203B41FA5}">
-                      <a16:colId xmlns:a16="http://schemas.microsoft.com/office/drawing/2014/main" val="2650699572"/>
+                      <a16:colId xmlns:a16="http://schemas.microsoft.com/office/drawing/2014/main" xmlns="" val="2650699572"/>
                     </a:ext>
                   </a:extLst>
                 </a:gridCol>
                 <a:gridCol w="1148080">
                   <a:extLst>
                     <a:ext uri="{9D8B030D-6E8A-4147-A177-3AD203B41FA5}">
-                      <a16:colId xmlns:a16="http://schemas.microsoft.com/office/drawing/2014/main" val="3716180538"/>
+                      <a16:colId xmlns:a16="http://schemas.microsoft.com/office/drawing/2014/main" xmlns="" val="3716180538"/>
                     </a:ext>
                   </a:extLst>
                 </a:gridCol>
@@ -8095,7 +9668,7 @@
                 </a:tc>
                 <a:extLst>
                   <a:ext uri="{0D108BD9-81ED-4DB2-BD59-A6C34878D82A}">
-                    <a16:rowId xmlns:a16="http://schemas.microsoft.com/office/drawing/2014/main" val="1062177104"/>
+                    <a16:rowId xmlns:a16="http://schemas.microsoft.com/office/drawing/2014/main" xmlns="" val="1062177104"/>
                   </a:ext>
                 </a:extLst>
               </a:tr>
@@ -8188,7 +9761,7 @@
                 </a:tc>
                 <a:extLst>
                   <a:ext uri="{0D108BD9-81ED-4DB2-BD59-A6C34878D82A}">
-                    <a16:rowId xmlns:a16="http://schemas.microsoft.com/office/drawing/2014/main" val="1672992677"/>
+                    <a16:rowId xmlns:a16="http://schemas.microsoft.com/office/drawing/2014/main" xmlns="" val="1672992677"/>
                   </a:ext>
                 </a:extLst>
               </a:tr>
@@ -8274,7 +9847,7 @@
                 </a:tc>
                 <a:extLst>
                   <a:ext uri="{0D108BD9-81ED-4DB2-BD59-A6C34878D82A}">
-                    <a16:rowId xmlns:a16="http://schemas.microsoft.com/office/drawing/2014/main" val="2841063837"/>
+                    <a16:rowId xmlns:a16="http://schemas.microsoft.com/office/drawing/2014/main" xmlns="" val="2841063837"/>
                   </a:ext>
                 </a:extLst>
               </a:tr>
@@ -8360,7 +9933,7 @@
                 </a:tc>
                 <a:extLst>
                   <a:ext uri="{0D108BD9-81ED-4DB2-BD59-A6C34878D82A}">
-                    <a16:rowId xmlns:a16="http://schemas.microsoft.com/office/drawing/2014/main" val="2545457137"/>
+                    <a16:rowId xmlns:a16="http://schemas.microsoft.com/office/drawing/2014/main" xmlns="" val="2545457137"/>
                   </a:ext>
                 </a:extLst>
               </a:tr>
@@ -8462,7 +10035,7 @@
                 </a:tc>
                 <a:extLst>
                   <a:ext uri="{0D108BD9-81ED-4DB2-BD59-A6C34878D82A}">
-                    <a16:rowId xmlns:a16="http://schemas.microsoft.com/office/drawing/2014/main" val="2362779865"/>
+                    <a16:rowId xmlns:a16="http://schemas.microsoft.com/office/drawing/2014/main" xmlns="" val="2362779865"/>
                   </a:ext>
                 </a:extLst>
               </a:tr>
@@ -8548,7 +10121,7 @@
                 </a:tc>
                 <a:extLst>
                   <a:ext uri="{0D108BD9-81ED-4DB2-BD59-A6C34878D82A}">
-                    <a16:rowId xmlns:a16="http://schemas.microsoft.com/office/drawing/2014/main" val="109776121"/>
+                    <a16:rowId xmlns:a16="http://schemas.microsoft.com/office/drawing/2014/main" xmlns="" val="109776121"/>
                   </a:ext>
                 </a:extLst>
               </a:tr>
@@ -8634,7 +10207,7 @@
                 </a:tc>
                 <a:extLst>
                   <a:ext uri="{0D108BD9-81ED-4DB2-BD59-A6C34878D82A}">
-                    <a16:rowId xmlns:a16="http://schemas.microsoft.com/office/drawing/2014/main" val="2782457586"/>
+                    <a16:rowId xmlns:a16="http://schemas.microsoft.com/office/drawing/2014/main" xmlns="" val="2782457586"/>
                   </a:ext>
                 </a:extLst>
               </a:tr>
@@ -8728,7 +10301,7 @@
                 </a:tc>
                 <a:extLst>
                   <a:ext uri="{0D108BD9-81ED-4DB2-BD59-A6C34878D82A}">
-                    <a16:rowId xmlns:a16="http://schemas.microsoft.com/office/drawing/2014/main" val="2850905767"/>
+                    <a16:rowId xmlns:a16="http://schemas.microsoft.com/office/drawing/2014/main" xmlns="" val="2850905767"/>
                   </a:ext>
                 </a:extLst>
               </a:tr>
@@ -8814,7 +10387,7 @@
                 </a:tc>
                 <a:extLst>
                   <a:ext uri="{0D108BD9-81ED-4DB2-BD59-A6C34878D82A}">
-                    <a16:rowId xmlns:a16="http://schemas.microsoft.com/office/drawing/2014/main" val="1423363650"/>
+                    <a16:rowId xmlns:a16="http://schemas.microsoft.com/office/drawing/2014/main" xmlns="" val="1423363650"/>
                   </a:ext>
                 </a:extLst>
               </a:tr>
@@ -8916,7 +10489,7 @@
                 </a:tc>
                 <a:extLst>
                   <a:ext uri="{0D108BD9-81ED-4DB2-BD59-A6C34878D82A}">
-                    <a16:rowId xmlns:a16="http://schemas.microsoft.com/office/drawing/2014/main" val="552507488"/>
+                    <a16:rowId xmlns:a16="http://schemas.microsoft.com/office/drawing/2014/main" xmlns="" val="552507488"/>
                   </a:ext>
                 </a:extLst>
               </a:tr>
@@ -9002,7 +10575,7 @@
                 </a:tc>
                 <a:extLst>
                   <a:ext uri="{0D108BD9-81ED-4DB2-BD59-A6C34878D82A}">
-                    <a16:rowId xmlns:a16="http://schemas.microsoft.com/office/drawing/2014/main" val="2565643011"/>
+                    <a16:rowId xmlns:a16="http://schemas.microsoft.com/office/drawing/2014/main" xmlns="" val="2565643011"/>
                   </a:ext>
                 </a:extLst>
               </a:tr>
@@ -9095,7 +10668,7 @@
                 </a:tc>
                 <a:extLst>
                   <a:ext uri="{0D108BD9-81ED-4DB2-BD59-A6C34878D82A}">
-                    <a16:rowId xmlns:a16="http://schemas.microsoft.com/office/drawing/2014/main" val="990519418"/>
+                    <a16:rowId xmlns:a16="http://schemas.microsoft.com/office/drawing/2014/main" xmlns="" val="990519418"/>
                   </a:ext>
                 </a:extLst>
               </a:tr>
@@ -9197,7 +10770,7 @@
                 </a:tc>
                 <a:extLst>
                   <a:ext uri="{0D108BD9-81ED-4DB2-BD59-A6C34878D82A}">
-                    <a16:rowId xmlns:a16="http://schemas.microsoft.com/office/drawing/2014/main" val="2563814046"/>
+                    <a16:rowId xmlns:a16="http://schemas.microsoft.com/office/drawing/2014/main" xmlns="" val="2563814046"/>
                   </a:ext>
                 </a:extLst>
               </a:tr>
@@ -9291,7 +10864,7 @@
                 </a:tc>
                 <a:extLst>
                   <a:ext uri="{0D108BD9-81ED-4DB2-BD59-A6C34878D82A}">
-                    <a16:rowId xmlns:a16="http://schemas.microsoft.com/office/drawing/2014/main" val="2351472526"/>
+                    <a16:rowId xmlns:a16="http://schemas.microsoft.com/office/drawing/2014/main" xmlns="" val="2351472526"/>
                   </a:ext>
                 </a:extLst>
               </a:tr>
@@ -9377,7 +10950,7 @@
                 </a:tc>
                 <a:extLst>
                   <a:ext uri="{0D108BD9-81ED-4DB2-BD59-A6C34878D82A}">
-                    <a16:rowId xmlns:a16="http://schemas.microsoft.com/office/drawing/2014/main" val="3776558265"/>
+                    <a16:rowId xmlns:a16="http://schemas.microsoft.com/office/drawing/2014/main" xmlns="" val="3776558265"/>
                   </a:ext>
                 </a:extLst>
               </a:tr>
@@ -9470,7 +11043,7 @@
                 </a:tc>
                 <a:extLst>
                   <a:ext uri="{0D108BD9-81ED-4DB2-BD59-A6C34878D82A}">
-                    <a16:rowId xmlns:a16="http://schemas.microsoft.com/office/drawing/2014/main" val="821750505"/>
+                    <a16:rowId xmlns:a16="http://schemas.microsoft.com/office/drawing/2014/main" xmlns="" val="821750505"/>
                   </a:ext>
                 </a:extLst>
               </a:tr>
@@ -9556,7 +11129,7 @@
                 </a:tc>
                 <a:extLst>
                   <a:ext uri="{0D108BD9-81ED-4DB2-BD59-A6C34878D82A}">
-                    <a16:rowId xmlns:a16="http://schemas.microsoft.com/office/drawing/2014/main" val="611331534"/>
+                    <a16:rowId xmlns:a16="http://schemas.microsoft.com/office/drawing/2014/main" xmlns="" val="611331534"/>
                   </a:ext>
                 </a:extLst>
               </a:tr>
@@ -9649,7 +11222,7 @@
                 </a:tc>
                 <a:extLst>
                   <a:ext uri="{0D108BD9-81ED-4DB2-BD59-A6C34878D82A}">
-                    <a16:rowId xmlns:a16="http://schemas.microsoft.com/office/drawing/2014/main" val="2260663379"/>
+                    <a16:rowId xmlns:a16="http://schemas.microsoft.com/office/drawing/2014/main" xmlns="" val="2260663379"/>
                   </a:ext>
                 </a:extLst>
               </a:tr>
@@ -9735,7 +11308,7 @@
                 </a:tc>
                 <a:extLst>
                   <a:ext uri="{0D108BD9-81ED-4DB2-BD59-A6C34878D82A}">
-                    <a16:rowId xmlns:a16="http://schemas.microsoft.com/office/drawing/2014/main" val="1699158947"/>
+                    <a16:rowId xmlns:a16="http://schemas.microsoft.com/office/drawing/2014/main" xmlns="" val="1699158947"/>
                   </a:ext>
                 </a:extLst>
               </a:tr>
@@ -9828,7 +11401,7 @@
                 </a:tc>
                 <a:extLst>
                   <a:ext uri="{0D108BD9-81ED-4DB2-BD59-A6C34878D82A}">
-                    <a16:rowId xmlns:a16="http://schemas.microsoft.com/office/drawing/2014/main" val="3482278775"/>
+                    <a16:rowId xmlns:a16="http://schemas.microsoft.com/office/drawing/2014/main" xmlns="" val="3482278775"/>
                   </a:ext>
                 </a:extLst>
               </a:tr>
@@ -9914,7 +11487,7 @@
                 </a:tc>
                 <a:extLst>
                   <a:ext uri="{0D108BD9-81ED-4DB2-BD59-A6C34878D82A}">
-                    <a16:rowId xmlns:a16="http://schemas.microsoft.com/office/drawing/2014/main" val="621626793"/>
+                    <a16:rowId xmlns:a16="http://schemas.microsoft.com/office/drawing/2014/main" xmlns="" val="621626793"/>
                   </a:ext>
                 </a:extLst>
               </a:tr>
@@ -10000,7 +11573,7 @@
                 </a:tc>
                 <a:extLst>
                   <a:ext uri="{0D108BD9-81ED-4DB2-BD59-A6C34878D82A}">
-                    <a16:rowId xmlns:a16="http://schemas.microsoft.com/office/drawing/2014/main" val="750421569"/>
+                    <a16:rowId xmlns:a16="http://schemas.microsoft.com/office/drawing/2014/main" xmlns="" val="750421569"/>
                   </a:ext>
                 </a:extLst>
               </a:tr>
@@ -10013,7 +11586,7 @@
           <p:cNvPr id="9" name="ZoneTexte 8">
             <a:extLst>
               <a:ext uri="{FF2B5EF4-FFF2-40B4-BE49-F238E27FC236}">
-                <a16:creationId xmlns:a16="http://schemas.microsoft.com/office/drawing/2014/main" id="{5BE5D7A7-B76E-413A-86A2-83E1B12A6334}"/>
+                <a16:creationId xmlns:a16="http://schemas.microsoft.com/office/drawing/2014/main" xmlns="" id="{5BE5D7A7-B76E-413A-86A2-83E1B12A6334}"/>
               </a:ext>
             </a:extLst>
           </p:cNvPr>
@@ -10048,7 +11621,7 @@
           <p:cNvPr id="11" name="ZoneTexte 10">
             <a:extLst>
               <a:ext uri="{FF2B5EF4-FFF2-40B4-BE49-F238E27FC236}">
-                <a16:creationId xmlns:a16="http://schemas.microsoft.com/office/drawing/2014/main" id="{A45D17AD-7C0E-4638-AE79-CE9886EC96B0}"/>
+                <a16:creationId xmlns:a16="http://schemas.microsoft.com/office/drawing/2014/main" xmlns="" id="{A45D17AD-7C0E-4638-AE79-CE9886EC96B0}"/>
               </a:ext>
             </a:extLst>
           </p:cNvPr>
